--- a/Документация/Презентация/Презентация.pptx
+++ b/Документация/Презентация/Презентация.pptx
@@ -5,26 +5,28 @@
     <p:sldMasterId id="2147483684" r:id="rId1"/>
   </p:sldMasterIdLst>
   <p:notesMasterIdLst>
-    <p:notesMasterId r:id="rId19"/>
+    <p:notesMasterId r:id="rId21"/>
   </p:notesMasterIdLst>
   <p:sldIdLst>
     <p:sldId id="256" r:id="rId2"/>
     <p:sldId id="281" r:id="rId3"/>
     <p:sldId id="275" r:id="rId4"/>
-    <p:sldId id="258" r:id="rId5"/>
-    <p:sldId id="282" r:id="rId6"/>
-    <p:sldId id="283" r:id="rId7"/>
-    <p:sldId id="284" r:id="rId8"/>
-    <p:sldId id="259" r:id="rId9"/>
-    <p:sldId id="260" r:id="rId10"/>
-    <p:sldId id="261" r:id="rId11"/>
-    <p:sldId id="262" r:id="rId12"/>
-    <p:sldId id="276" r:id="rId13"/>
-    <p:sldId id="277" r:id="rId14"/>
-    <p:sldId id="278" r:id="rId15"/>
-    <p:sldId id="279" r:id="rId16"/>
-    <p:sldId id="280" r:id="rId17"/>
-    <p:sldId id="274" r:id="rId18"/>
+    <p:sldId id="285" r:id="rId5"/>
+    <p:sldId id="258" r:id="rId6"/>
+    <p:sldId id="282" r:id="rId7"/>
+    <p:sldId id="283" r:id="rId8"/>
+    <p:sldId id="284" r:id="rId9"/>
+    <p:sldId id="259" r:id="rId10"/>
+    <p:sldId id="260" r:id="rId11"/>
+    <p:sldId id="261" r:id="rId12"/>
+    <p:sldId id="286" r:id="rId13"/>
+    <p:sldId id="262" r:id="rId14"/>
+    <p:sldId id="276" r:id="rId15"/>
+    <p:sldId id="277" r:id="rId16"/>
+    <p:sldId id="278" r:id="rId17"/>
+    <p:sldId id="279" r:id="rId18"/>
+    <p:sldId id="280" r:id="rId19"/>
+    <p:sldId id="274" r:id="rId20"/>
   </p:sldIdLst>
   <p:sldSz cx="12192000" cy="6858000"/>
   <p:notesSz cx="6858000" cy="9144000"/>
@@ -147,1288 +149,11 @@
   <p1510:revLst>
     <p1510:client id="{1B3DA76B-E307-4BBE-8F8A-623015B1A73C}" v="55" dt="2023-03-31T16:38:15.639"/>
     <p1510:client id="{3E747A4C-7EC8-4533-8BF9-4D89E7E160D5}" v="18" dt="2023-03-29T09:42:01.604"/>
+    <p1510:client id="{4C127A48-429E-4EE1-968B-5F99D895D4C1}" v="283" dt="2023-03-28T13:11:42.569"/>
     <p1510:client id="{538CB37B-60CD-4944-ADA1-2547A71FA8DE}" v="306" dt="2023-03-29T21:34:49.316"/>
-    <p1510:client id="{4C127A48-429E-4EE1-968B-5F99D895D4C1}" v="283" dt="2023-03-28T13:11:42.569"/>
+    <p1510:client id="{75280EE4-ABF3-4E1D-AB99-ED48A30F2351}" v="472" dt="2023-09-13T11:29:43.359"/>
   </p1510:revLst>
 </p1510:revInfo>
-</file>
-
-<file path=ppt/changesInfos/changesInfo1.xml><?xml version="1.0" encoding="utf-8"?>
-<pc:chgInfo xmlns:a="http://schemas.openxmlformats.org/drawingml/2006/main" xmlns:r="http://schemas.openxmlformats.org/officeDocument/2006/relationships" xmlns:ac="http://schemas.microsoft.com/office/drawing/2013/main/command" xmlns:pc="http://schemas.microsoft.com/office/powerpoint/2013/main/command">
-  <pc:docChgLst>
-    <pc:chgData name="Ветров Константин" userId="7d75ebfba114dc48" providerId="Windows Live" clId="Web-{538CB37B-60CD-4944-ADA1-2547A71FA8DE}"/>
-    <pc:docChg chg="mod addSld delSld modSld sldOrd modMainMaster setSldSz">
-      <pc:chgData name="Ветров Константин" userId="7d75ebfba114dc48" providerId="Windows Live" clId="Web-{538CB37B-60CD-4944-ADA1-2547A71FA8DE}" dt="2023-03-29T21:34:49.316" v="302"/>
-      <pc:docMkLst>
-        <pc:docMk/>
-      </pc:docMkLst>
-      <pc:sldChg chg="addSp delSp modSp">
-        <pc:chgData name="Ветров Константин" userId="7d75ebfba114dc48" providerId="Windows Live" clId="Web-{538CB37B-60CD-4944-ADA1-2547A71FA8DE}" dt="2023-03-29T20:59:25.288" v="231" actId="1076"/>
-        <pc:sldMkLst>
-          <pc:docMk/>
-          <pc:sldMk cId="2001060690" sldId="256"/>
-        </pc:sldMkLst>
-        <pc:spChg chg="mod">
-          <ac:chgData name="Ветров Константин" userId="7d75ebfba114dc48" providerId="Windows Live" clId="Web-{538CB37B-60CD-4944-ADA1-2547A71FA8DE}" dt="2023-03-29T20:59:25.288" v="231" actId="1076"/>
-          <ac:spMkLst>
-            <pc:docMk/>
-            <pc:sldMk cId="2001060690" sldId="256"/>
-            <ac:spMk id="2" creationId="{00000000-0000-0000-0000-000000000000}"/>
-          </ac:spMkLst>
-        </pc:spChg>
-        <pc:spChg chg="mod">
-          <ac:chgData name="Ветров Константин" userId="7d75ebfba114dc48" providerId="Windows Live" clId="Web-{538CB37B-60CD-4944-ADA1-2547A71FA8DE}" dt="2023-03-29T20:59:04.474" v="226" actId="14100"/>
-          <ac:spMkLst>
-            <pc:docMk/>
-            <pc:sldMk cId="2001060690" sldId="256"/>
-            <ac:spMk id="3" creationId="{00000000-0000-0000-0000-000000000000}"/>
-          </ac:spMkLst>
-        </pc:spChg>
-        <pc:spChg chg="add del mod">
-          <ac:chgData name="Ветров Константин" userId="7d75ebfba114dc48" providerId="Windows Live" clId="Web-{538CB37B-60CD-4944-ADA1-2547A71FA8DE}" dt="2023-03-29T20:07:40.181" v="1"/>
-          <ac:spMkLst>
-            <pc:docMk/>
-            <pc:sldMk cId="2001060690" sldId="256"/>
-            <ac:spMk id="4" creationId="{E76A7D3D-BFA2-65E1-6657-195F5D3DD180}"/>
-          </ac:spMkLst>
-        </pc:spChg>
-        <pc:spChg chg="add del mod">
-          <ac:chgData name="Ветров Константин" userId="7d75ebfba114dc48" providerId="Windows Live" clId="Web-{538CB37B-60CD-4944-ADA1-2547A71FA8DE}" dt="2023-03-29T20:09:16.437" v="19"/>
-          <ac:spMkLst>
-            <pc:docMk/>
-            <pc:sldMk cId="2001060690" sldId="256"/>
-            <ac:spMk id="5" creationId="{E995B2E5-D4E8-961A-E5A6-11BF9A279C19}"/>
-          </ac:spMkLst>
-        </pc:spChg>
-        <pc:spChg chg="add mod">
-          <ac:chgData name="Ветров Константин" userId="7d75ebfba114dc48" providerId="Windows Live" clId="Web-{538CB37B-60CD-4944-ADA1-2547A71FA8DE}" dt="2023-03-29T20:58:56.208" v="223" actId="20577"/>
-          <ac:spMkLst>
-            <pc:docMk/>
-            <pc:sldMk cId="2001060690" sldId="256"/>
-            <ac:spMk id="7" creationId="{D69A8FE8-8FBE-495F-84FE-CF650A700CA5}"/>
-          </ac:spMkLst>
-        </pc:spChg>
-      </pc:sldChg>
-      <pc:sldChg chg="addSp delSp modSp">
-        <pc:chgData name="Ветров Константин" userId="7d75ebfba114dc48" providerId="Windows Live" clId="Web-{538CB37B-60CD-4944-ADA1-2547A71FA8DE}" dt="2023-03-29T20:37:33.703" v="136" actId="20577"/>
-        <pc:sldMkLst>
-          <pc:docMk/>
-          <pc:sldMk cId="2305641963" sldId="257"/>
-        </pc:sldMkLst>
-        <pc:spChg chg="mod">
-          <ac:chgData name="Ветров Константин" userId="7d75ebfba114dc48" providerId="Windows Live" clId="Web-{538CB37B-60CD-4944-ADA1-2547A71FA8DE}" dt="2023-03-29T20:37:08.217" v="126" actId="20577"/>
-          <ac:spMkLst>
-            <pc:docMk/>
-            <pc:sldMk cId="2305641963" sldId="257"/>
-            <ac:spMk id="2" creationId="{00000000-0000-0000-0000-000000000000}"/>
-          </ac:spMkLst>
-        </pc:spChg>
-        <pc:spChg chg="mod">
-          <ac:chgData name="Ветров Константин" userId="7d75ebfba114dc48" providerId="Windows Live" clId="Web-{538CB37B-60CD-4944-ADA1-2547A71FA8DE}" dt="2023-03-29T20:37:33.703" v="136" actId="20577"/>
-          <ac:spMkLst>
-            <pc:docMk/>
-            <pc:sldMk cId="2305641963" sldId="257"/>
-            <ac:spMk id="3" creationId="{00000000-0000-0000-0000-000000000000}"/>
-          </ac:spMkLst>
-        </pc:spChg>
-        <pc:spChg chg="add del mod">
-          <ac:chgData name="Ветров Константин" userId="7d75ebfba114dc48" providerId="Windows Live" clId="Web-{538CB37B-60CD-4944-ADA1-2547A71FA8DE}" dt="2023-03-29T20:08:45.748" v="7"/>
-          <ac:spMkLst>
-            <pc:docMk/>
-            <pc:sldMk cId="2305641963" sldId="257"/>
-            <ac:spMk id="4" creationId="{12EE0CD7-AE43-A658-1266-8E2F68E70CBD}"/>
-          </ac:spMkLst>
-        </pc:spChg>
-        <pc:spChg chg="add del mod">
-          <ac:chgData name="Ветров Константин" userId="7d75ebfba114dc48" providerId="Windows Live" clId="Web-{538CB37B-60CD-4944-ADA1-2547A71FA8DE}" dt="2023-03-29T20:08:47.888" v="9"/>
-          <ac:spMkLst>
-            <pc:docMk/>
-            <pc:sldMk cId="2305641963" sldId="257"/>
-            <ac:spMk id="5" creationId="{41379632-CCA0-356F-816A-DB692907B30D}"/>
-          </ac:spMkLst>
-        </pc:spChg>
-        <pc:spChg chg="add del mod">
-          <ac:chgData name="Ветров Константин" userId="7d75ebfba114dc48" providerId="Windows Live" clId="Web-{538CB37B-60CD-4944-ADA1-2547A71FA8DE}" dt="2023-03-29T20:09:01.796" v="12"/>
-          <ac:spMkLst>
-            <pc:docMk/>
-            <pc:sldMk cId="2305641963" sldId="257"/>
-            <ac:spMk id="6" creationId="{78CE118A-673E-4A81-C995-DC586C0D9B5F}"/>
-          </ac:spMkLst>
-        </pc:spChg>
-        <pc:spChg chg="add del mod">
-          <ac:chgData name="Ветров Константин" userId="7d75ebfba114dc48" providerId="Windows Live" clId="Web-{538CB37B-60CD-4944-ADA1-2547A71FA8DE}" dt="2023-03-29T20:09:06.874" v="17"/>
-          <ac:spMkLst>
-            <pc:docMk/>
-            <pc:sldMk cId="2305641963" sldId="257"/>
-            <ac:spMk id="7" creationId="{15BA22D2-F7E6-EBE7-CBF1-AFB472476977}"/>
-          </ac:spMkLst>
-        </pc:spChg>
-        <pc:spChg chg="add mod">
-          <ac:chgData name="Ветров Константин" userId="7d75ebfba114dc48" providerId="Windows Live" clId="Web-{538CB37B-60CD-4944-ADA1-2547A71FA8DE}" dt="2023-03-29T20:09:32.563" v="21" actId="1076"/>
-          <ac:spMkLst>
-            <pc:docMk/>
-            <pc:sldMk cId="2305641963" sldId="257"/>
-            <ac:spMk id="8" creationId="{1A207604-E24A-66FF-BBA3-A1B0F92853EB}"/>
-          </ac:spMkLst>
-        </pc:spChg>
-      </pc:sldChg>
-      <pc:sldChg chg="addSp modSp">
-        <pc:chgData name="Ветров Константин" userId="7d75ebfba114dc48" providerId="Windows Live" clId="Web-{538CB37B-60CD-4944-ADA1-2547A71FA8DE}" dt="2023-03-29T20:26:51.912" v="78" actId="14100"/>
-        <pc:sldMkLst>
-          <pc:docMk/>
-          <pc:sldMk cId="371527633" sldId="258"/>
-        </pc:sldMkLst>
-        <pc:spChg chg="mod">
-          <ac:chgData name="Ветров Константин" userId="7d75ebfba114dc48" providerId="Windows Live" clId="Web-{538CB37B-60CD-4944-ADA1-2547A71FA8DE}" dt="2023-03-29T20:26:46.552" v="77" actId="1076"/>
-          <ac:spMkLst>
-            <pc:docMk/>
-            <pc:sldMk cId="371527633" sldId="258"/>
-            <ac:spMk id="2" creationId="{00000000-0000-0000-0000-000000000000}"/>
-          </ac:spMkLst>
-        </pc:spChg>
-        <pc:spChg chg="mod">
-          <ac:chgData name="Ветров Константин" userId="7d75ebfba114dc48" providerId="Windows Live" clId="Web-{538CB37B-60CD-4944-ADA1-2547A71FA8DE}" dt="2023-03-29T20:26:51.912" v="78" actId="14100"/>
-          <ac:spMkLst>
-            <pc:docMk/>
-            <pc:sldMk cId="371527633" sldId="258"/>
-            <ac:spMk id="3" creationId="{00000000-0000-0000-0000-000000000000}"/>
-          </ac:spMkLst>
-        </pc:spChg>
-        <pc:spChg chg="add mod">
-          <ac:chgData name="Ветров Константин" userId="7d75ebfba114dc48" providerId="Windows Live" clId="Web-{538CB37B-60CD-4944-ADA1-2547A71FA8DE}" dt="2023-03-29T20:08:50.732" v="11"/>
-          <ac:spMkLst>
-            <pc:docMk/>
-            <pc:sldMk cId="371527633" sldId="258"/>
-            <ac:spMk id="4" creationId="{8C6A6C52-649F-E9A7-8E37-E3FF3DFDC471}"/>
-          </ac:spMkLst>
-        </pc:spChg>
-      </pc:sldChg>
-      <pc:sldChg chg="addSp modSp">
-        <pc:chgData name="Ветров Константин" userId="7d75ebfba114dc48" providerId="Windows Live" clId="Web-{538CB37B-60CD-4944-ADA1-2547A71FA8DE}" dt="2023-03-29T20:56:01.946" v="222" actId="20577"/>
-        <pc:sldMkLst>
-          <pc:docMk/>
-          <pc:sldMk cId="1010382507" sldId="259"/>
-        </pc:sldMkLst>
-        <pc:spChg chg="mod">
-          <ac:chgData name="Ветров Константин" userId="7d75ebfba114dc48" providerId="Windows Live" clId="Web-{538CB37B-60CD-4944-ADA1-2547A71FA8DE}" dt="2023-03-29T20:56:01.946" v="222" actId="20577"/>
-          <ac:spMkLst>
-            <pc:docMk/>
-            <pc:sldMk cId="1010382507" sldId="259"/>
-            <ac:spMk id="2" creationId="{00000000-0000-0000-0000-000000000000}"/>
-          </ac:spMkLst>
-        </pc:spChg>
-        <pc:spChg chg="add mod">
-          <ac:chgData name="Ветров Константин" userId="7d75ebfba114dc48" providerId="Windows Live" clId="Web-{538CB37B-60CD-4944-ADA1-2547A71FA8DE}" dt="2023-03-29T20:08:50.732" v="11"/>
-          <ac:spMkLst>
-            <pc:docMk/>
-            <pc:sldMk cId="1010382507" sldId="259"/>
-            <ac:spMk id="3" creationId="{65BF8774-135C-3A33-AAE6-AEB077000DBB}"/>
-          </ac:spMkLst>
-        </pc:spChg>
-        <pc:picChg chg="mod">
-          <ac:chgData name="Ветров Константин" userId="7d75ebfba114dc48" providerId="Windows Live" clId="Web-{538CB37B-60CD-4944-ADA1-2547A71FA8DE}" dt="2023-03-29T20:28:38.387" v="83" actId="1076"/>
-          <ac:picMkLst>
-            <pc:docMk/>
-            <pc:sldMk cId="1010382507" sldId="259"/>
-            <ac:picMk id="4" creationId="{00000000-0000-0000-0000-000000000000}"/>
-          </ac:picMkLst>
-        </pc:picChg>
-      </pc:sldChg>
-      <pc:sldChg chg="addSp modSp">
-        <pc:chgData name="Ветров Константин" userId="7d75ebfba114dc48" providerId="Windows Live" clId="Web-{538CB37B-60CD-4944-ADA1-2547A71FA8DE}" dt="2023-03-29T20:29:06.873" v="89" actId="14100"/>
-        <pc:sldMkLst>
-          <pc:docMk/>
-          <pc:sldMk cId="195499609" sldId="260"/>
-        </pc:sldMkLst>
-        <pc:spChg chg="mod">
-          <ac:chgData name="Ветров Константин" userId="7d75ebfba114dc48" providerId="Windows Live" clId="Web-{538CB37B-60CD-4944-ADA1-2547A71FA8DE}" dt="2023-03-29T20:15:33.743" v="36"/>
-          <ac:spMkLst>
-            <pc:docMk/>
-            <pc:sldMk cId="195499609" sldId="260"/>
-            <ac:spMk id="2" creationId="{00000000-0000-0000-0000-000000000000}"/>
-          </ac:spMkLst>
-        </pc:spChg>
-        <pc:spChg chg="add mod">
-          <ac:chgData name="Ветров Константин" userId="7d75ebfba114dc48" providerId="Windows Live" clId="Web-{538CB37B-60CD-4944-ADA1-2547A71FA8DE}" dt="2023-03-29T20:08:50.732" v="11"/>
-          <ac:spMkLst>
-            <pc:docMk/>
-            <pc:sldMk cId="195499609" sldId="260"/>
-            <ac:spMk id="3" creationId="{95DB3792-F159-B601-0864-D6372E9125D1}"/>
-          </ac:spMkLst>
-        </pc:spChg>
-        <pc:picChg chg="mod">
-          <ac:chgData name="Ветров Константин" userId="7d75ebfba114dc48" providerId="Windows Live" clId="Web-{538CB37B-60CD-4944-ADA1-2547A71FA8DE}" dt="2023-03-29T20:29:06.873" v="89" actId="14100"/>
-          <ac:picMkLst>
-            <pc:docMk/>
-            <pc:sldMk cId="195499609" sldId="260"/>
-            <ac:picMk id="4" creationId="{00000000-0000-0000-0000-000000000000}"/>
-          </ac:picMkLst>
-        </pc:picChg>
-      </pc:sldChg>
-      <pc:sldChg chg="addSp modSp">
-        <pc:chgData name="Ветров Константин" userId="7d75ebfba114dc48" providerId="Windows Live" clId="Web-{538CB37B-60CD-4944-ADA1-2547A71FA8DE}" dt="2023-03-29T20:28:58.248" v="88" actId="1076"/>
-        <pc:sldMkLst>
-          <pc:docMk/>
-          <pc:sldMk cId="2254750348" sldId="261"/>
-        </pc:sldMkLst>
-        <pc:spChg chg="mod">
-          <ac:chgData name="Ветров Константин" userId="7d75ebfba114dc48" providerId="Windows Live" clId="Web-{538CB37B-60CD-4944-ADA1-2547A71FA8DE}" dt="2023-03-29T20:28:48.075" v="84" actId="1076"/>
-          <ac:spMkLst>
-            <pc:docMk/>
-            <pc:sldMk cId="2254750348" sldId="261"/>
-            <ac:spMk id="2" creationId="{00000000-0000-0000-0000-000000000000}"/>
-          </ac:spMkLst>
-        </pc:spChg>
-        <pc:spChg chg="add mod">
-          <ac:chgData name="Ветров Константин" userId="7d75ebfba114dc48" providerId="Windows Live" clId="Web-{538CB37B-60CD-4944-ADA1-2547A71FA8DE}" dt="2023-03-29T20:08:50.732" v="11"/>
-          <ac:spMkLst>
-            <pc:docMk/>
-            <pc:sldMk cId="2254750348" sldId="261"/>
-            <ac:spMk id="3" creationId="{59F6BBE8-0863-9B6A-27CB-81C795AAED24}"/>
-          </ac:spMkLst>
-        </pc:spChg>
-        <pc:picChg chg="mod">
-          <ac:chgData name="Ветров Константин" userId="7d75ebfba114dc48" providerId="Windows Live" clId="Web-{538CB37B-60CD-4944-ADA1-2547A71FA8DE}" dt="2023-03-29T20:28:58.248" v="88" actId="1076"/>
-          <ac:picMkLst>
-            <pc:docMk/>
-            <pc:sldMk cId="2254750348" sldId="261"/>
-            <ac:picMk id="4" creationId="{00000000-0000-0000-0000-000000000000}"/>
-          </ac:picMkLst>
-        </pc:picChg>
-      </pc:sldChg>
-      <pc:sldChg chg="addSp modSp">
-        <pc:chgData name="Ветров Константин" userId="7d75ebfba114dc48" providerId="Windows Live" clId="Web-{538CB37B-60CD-4944-ADA1-2547A71FA8DE}" dt="2023-03-29T21:33:52.906" v="280" actId="20577"/>
-        <pc:sldMkLst>
-          <pc:docMk/>
-          <pc:sldMk cId="3417618667" sldId="262"/>
-        </pc:sldMkLst>
-        <pc:spChg chg="mod">
-          <ac:chgData name="Ветров Константин" userId="7d75ebfba114dc48" providerId="Windows Live" clId="Web-{538CB37B-60CD-4944-ADA1-2547A71FA8DE}" dt="2023-03-29T21:33:52.906" v="280" actId="20577"/>
-          <ac:spMkLst>
-            <pc:docMk/>
-            <pc:sldMk cId="3417618667" sldId="262"/>
-            <ac:spMk id="2" creationId="{00000000-0000-0000-0000-000000000000}"/>
-          </ac:spMkLst>
-        </pc:spChg>
-        <pc:spChg chg="add mod">
-          <ac:chgData name="Ветров Константин" userId="7d75ebfba114dc48" providerId="Windows Live" clId="Web-{538CB37B-60CD-4944-ADA1-2547A71FA8DE}" dt="2023-03-29T20:08:50.732" v="11"/>
-          <ac:spMkLst>
-            <pc:docMk/>
-            <pc:sldMk cId="3417618667" sldId="262"/>
-            <ac:spMk id="3" creationId="{7873B73C-21E0-AFF6-BB4E-AC2BB4866448}"/>
-          </ac:spMkLst>
-        </pc:spChg>
-        <pc:spChg chg="mod">
-          <ac:chgData name="Ветров Константин" userId="7d75ebfba114dc48" providerId="Windows Live" clId="Web-{538CB37B-60CD-4944-ADA1-2547A71FA8DE}" dt="2023-03-29T20:15:33.743" v="36"/>
-          <ac:spMkLst>
-            <pc:docMk/>
-            <pc:sldMk cId="3417618667" sldId="262"/>
-            <ac:spMk id="11" creationId="{1CC09CDF-48B8-95E4-0506-C4839170FE84}"/>
-          </ac:spMkLst>
-        </pc:spChg>
-        <pc:spChg chg="mod">
-          <ac:chgData name="Ветров Константин" userId="7d75ebfba114dc48" providerId="Windows Live" clId="Web-{538CB37B-60CD-4944-ADA1-2547A71FA8DE}" dt="2023-03-29T20:15:33.743" v="36"/>
-          <ac:spMkLst>
-            <pc:docMk/>
-            <pc:sldMk cId="3417618667" sldId="262"/>
-            <ac:spMk id="12" creationId="{152869C4-DB4C-17FB-B49D-4933E5238E11}"/>
-          </ac:spMkLst>
-        </pc:spChg>
-        <pc:picChg chg="mod">
-          <ac:chgData name="Ветров Константин" userId="7d75ebfba114dc48" providerId="Windows Live" clId="Web-{538CB37B-60CD-4944-ADA1-2547A71FA8DE}" dt="2023-03-29T20:54:50.426" v="194" actId="14100"/>
-          <ac:picMkLst>
-            <pc:docMk/>
-            <pc:sldMk cId="3417618667" sldId="262"/>
-            <ac:picMk id="7" creationId="{4994773B-D9C2-9556-BE3C-AA83F0F928F1}"/>
-          </ac:picMkLst>
-        </pc:picChg>
-        <pc:picChg chg="mod">
-          <ac:chgData name="Ветров Константин" userId="7d75ebfba114dc48" providerId="Windows Live" clId="Web-{538CB37B-60CD-4944-ADA1-2547A71FA8DE}" dt="2023-03-29T20:55:07.474" v="198" actId="1076"/>
-          <ac:picMkLst>
-            <pc:docMk/>
-            <pc:sldMk cId="3417618667" sldId="262"/>
-            <ac:picMk id="8" creationId="{22A19CB2-3535-C71F-C06A-0E374525CE25}"/>
-          </ac:picMkLst>
-        </pc:picChg>
-        <pc:picChg chg="mod">
-          <ac:chgData name="Ветров Константин" userId="7d75ebfba114dc48" providerId="Windows Live" clId="Web-{538CB37B-60CD-4944-ADA1-2547A71FA8DE}" dt="2023-03-29T20:54:53.505" v="195" actId="14100"/>
-          <ac:picMkLst>
-            <pc:docMk/>
-            <pc:sldMk cId="3417618667" sldId="262"/>
-            <ac:picMk id="9" creationId="{DBE2327B-B707-7BCD-8E54-8277A6A7B659}"/>
-          </ac:picMkLst>
-        </pc:picChg>
-      </pc:sldChg>
-      <pc:sldChg chg="addSp modSp del ord">
-        <pc:chgData name="Ветров Константин" userId="7d75ebfba114dc48" providerId="Windows Live" clId="Web-{538CB37B-60CD-4944-ADA1-2547A71FA8DE}" dt="2023-03-29T21:34:49.316" v="302"/>
-        <pc:sldMkLst>
-          <pc:docMk/>
-          <pc:sldMk cId="3291283497" sldId="268"/>
-        </pc:sldMkLst>
-        <pc:spChg chg="mod">
-          <ac:chgData name="Ветров Константин" userId="7d75ebfba114dc48" providerId="Windows Live" clId="Web-{538CB37B-60CD-4944-ADA1-2547A71FA8DE}" dt="2023-03-29T21:34:03.141" v="284" actId="20577"/>
-          <ac:spMkLst>
-            <pc:docMk/>
-            <pc:sldMk cId="3291283497" sldId="268"/>
-            <ac:spMk id="2" creationId="{00000000-0000-0000-0000-000000000000}"/>
-          </ac:spMkLst>
-        </pc:spChg>
-        <pc:spChg chg="add mod">
-          <ac:chgData name="Ветров Константин" userId="7d75ebfba114dc48" providerId="Windows Live" clId="Web-{538CB37B-60CD-4944-ADA1-2547A71FA8DE}" dt="2023-03-29T20:08:50.732" v="11"/>
-          <ac:spMkLst>
-            <pc:docMk/>
-            <pc:sldMk cId="3291283497" sldId="268"/>
-            <ac:spMk id="5" creationId="{38DE8CD2-AC2D-812E-CB5B-0ACCEE9E0C85}"/>
-          </ac:spMkLst>
-        </pc:spChg>
-        <pc:picChg chg="mod">
-          <ac:chgData name="Ветров Константин" userId="7d75ebfba114dc48" providerId="Windows Live" clId="Web-{538CB37B-60CD-4944-ADA1-2547A71FA8DE}" dt="2023-03-29T21:26:19.533" v="257" actId="1076"/>
-          <ac:picMkLst>
-            <pc:docMk/>
-            <pc:sldMk cId="3291283497" sldId="268"/>
-            <ac:picMk id="3" creationId="{D396FDD3-AE0B-F398-AA54-E761179DFD9E}"/>
-          </ac:picMkLst>
-        </pc:picChg>
-        <pc:picChg chg="mod">
-          <ac:chgData name="Ветров Константин" userId="7d75ebfba114dc48" providerId="Windows Live" clId="Web-{538CB37B-60CD-4944-ADA1-2547A71FA8DE}" dt="2023-03-29T21:26:19.564" v="258" actId="1076"/>
-          <ac:picMkLst>
-            <pc:docMk/>
-            <pc:sldMk cId="3291283497" sldId="268"/>
-            <ac:picMk id="4" creationId="{7C6DCD04-ECDD-8AC4-6C3B-1718CCE1CAB3}"/>
-          </ac:picMkLst>
-        </pc:picChg>
-      </pc:sldChg>
-      <pc:sldChg chg="addSp modSp del">
-        <pc:chgData name="Ветров Константин" userId="7d75ebfba114dc48" providerId="Windows Live" clId="Web-{538CB37B-60CD-4944-ADA1-2547A71FA8DE}" dt="2023-03-29T21:09:28.514" v="250"/>
-        <pc:sldMkLst>
-          <pc:docMk/>
-          <pc:sldMk cId="2549199815" sldId="269"/>
-        </pc:sldMkLst>
-        <pc:spChg chg="mod">
-          <ac:chgData name="Ветров Константин" userId="7d75ebfba114dc48" providerId="Windows Live" clId="Web-{538CB37B-60CD-4944-ADA1-2547A71FA8DE}" dt="2023-03-29T20:53:07.701" v="178" actId="20577"/>
-          <ac:spMkLst>
-            <pc:docMk/>
-            <pc:sldMk cId="2549199815" sldId="269"/>
-            <ac:spMk id="2" creationId="{00000000-0000-0000-0000-000000000000}"/>
-          </ac:spMkLst>
-        </pc:spChg>
-        <pc:spChg chg="add mod">
-          <ac:chgData name="Ветров Константин" userId="7d75ebfba114dc48" providerId="Windows Live" clId="Web-{538CB37B-60CD-4944-ADA1-2547A71FA8DE}" dt="2023-03-29T20:08:50.732" v="11"/>
-          <ac:spMkLst>
-            <pc:docMk/>
-            <pc:sldMk cId="2549199815" sldId="269"/>
-            <ac:spMk id="3" creationId="{BFF2F7A4-6DBE-FC97-4CE3-3DE3F2E0321D}"/>
-          </ac:spMkLst>
-        </pc:spChg>
-        <pc:picChg chg="mod">
-          <ac:chgData name="Ветров Константин" userId="7d75ebfba114dc48" providerId="Windows Live" clId="Web-{538CB37B-60CD-4944-ADA1-2547A71FA8DE}" dt="2023-03-29T20:15:33.743" v="36"/>
-          <ac:picMkLst>
-            <pc:docMk/>
-            <pc:sldMk cId="2549199815" sldId="269"/>
-            <ac:picMk id="5" creationId="{BC3F1D03-6FD7-6883-BA2C-F861D817A32D}"/>
-          </ac:picMkLst>
-        </pc:picChg>
-      </pc:sldChg>
-      <pc:sldChg chg="addSp delSp modSp ord">
-        <pc:chgData name="Ветров Константин" userId="7d75ebfba114dc48" providerId="Windows Live" clId="Web-{538CB37B-60CD-4944-ADA1-2547A71FA8DE}" dt="2023-03-29T21:34:37.909" v="301" actId="20577"/>
-        <pc:sldMkLst>
-          <pc:docMk/>
-          <pc:sldMk cId="1821982683" sldId="270"/>
-        </pc:sldMkLst>
-        <pc:spChg chg="mod">
-          <ac:chgData name="Ветров Константин" userId="7d75ebfba114dc48" providerId="Windows Live" clId="Web-{538CB37B-60CD-4944-ADA1-2547A71FA8DE}" dt="2023-03-29T21:34:37.909" v="301" actId="20577"/>
-          <ac:spMkLst>
-            <pc:docMk/>
-            <pc:sldMk cId="1821982683" sldId="270"/>
-            <ac:spMk id="2" creationId="{00000000-0000-0000-0000-000000000000}"/>
-          </ac:spMkLst>
-        </pc:spChg>
-        <pc:spChg chg="add mod">
-          <ac:chgData name="Ветров Константин" userId="7d75ebfba114dc48" providerId="Windows Live" clId="Web-{538CB37B-60CD-4944-ADA1-2547A71FA8DE}" dt="2023-03-29T20:08:50.732" v="11"/>
-          <ac:spMkLst>
-            <pc:docMk/>
-            <pc:sldMk cId="1821982683" sldId="270"/>
-            <ac:spMk id="3" creationId="{9C058FD7-54C1-5A35-BA38-95E8AB9A2147}"/>
-          </ac:spMkLst>
-        </pc:spChg>
-        <pc:picChg chg="del mod">
-          <ac:chgData name="Ветров Константин" userId="7d75ebfba114dc48" providerId="Windows Live" clId="Web-{538CB37B-60CD-4944-ADA1-2547A71FA8DE}" dt="2023-03-29T21:08:55.215" v="240"/>
-          <ac:picMkLst>
-            <pc:docMk/>
-            <pc:sldMk cId="1821982683" sldId="270"/>
-            <ac:picMk id="4" creationId="{6D88EBF2-4533-365F-0553-A5905CADF663}"/>
-          </ac:picMkLst>
-        </pc:picChg>
-        <pc:picChg chg="add mod">
-          <ac:chgData name="Ветров Константин" userId="7d75ebfba114dc48" providerId="Windows Live" clId="Web-{538CB37B-60CD-4944-ADA1-2547A71FA8DE}" dt="2023-03-29T21:09:15.420" v="248" actId="14100"/>
-          <ac:picMkLst>
-            <pc:docMk/>
-            <pc:sldMk cId="1821982683" sldId="270"/>
-            <ac:picMk id="5" creationId="{BE4F8F86-20C1-DEEC-14B3-42F1A419AB1D}"/>
-          </ac:picMkLst>
-        </pc:picChg>
-      </pc:sldChg>
-      <pc:sldChg chg="addSp modSp">
-        <pc:chgData name="Ветров Константин" userId="7d75ebfba114dc48" providerId="Windows Live" clId="Web-{538CB37B-60CD-4944-ADA1-2547A71FA8DE}" dt="2023-03-29T21:34:17.392" v="290" actId="20577"/>
-        <pc:sldMkLst>
-          <pc:docMk/>
-          <pc:sldMk cId="2910187697" sldId="271"/>
-        </pc:sldMkLst>
-        <pc:spChg chg="mod">
-          <ac:chgData name="Ветров Константин" userId="7d75ebfba114dc48" providerId="Windows Live" clId="Web-{538CB37B-60CD-4944-ADA1-2547A71FA8DE}" dt="2023-03-29T21:34:17.392" v="290" actId="20577"/>
-          <ac:spMkLst>
-            <pc:docMk/>
-            <pc:sldMk cId="2910187697" sldId="271"/>
-            <ac:spMk id="2" creationId="{00000000-0000-0000-0000-000000000000}"/>
-          </ac:spMkLst>
-        </pc:spChg>
-        <pc:spChg chg="add mod">
-          <ac:chgData name="Ветров Константин" userId="7d75ebfba114dc48" providerId="Windows Live" clId="Web-{538CB37B-60CD-4944-ADA1-2547A71FA8DE}" dt="2023-03-29T20:08:50.732" v="11"/>
-          <ac:spMkLst>
-            <pc:docMk/>
-            <pc:sldMk cId="2910187697" sldId="271"/>
-            <ac:spMk id="4" creationId="{9938C87C-B2D9-7DC9-759C-B255A32C31D0}"/>
-          </ac:spMkLst>
-        </pc:spChg>
-        <pc:picChg chg="mod">
-          <ac:chgData name="Ветров Константин" userId="7d75ebfba114dc48" providerId="Windows Live" clId="Web-{538CB37B-60CD-4944-ADA1-2547A71FA8DE}" dt="2023-03-29T21:02:41.410" v="235" actId="1076"/>
-          <ac:picMkLst>
-            <pc:docMk/>
-            <pc:sldMk cId="2910187697" sldId="271"/>
-            <ac:picMk id="3" creationId="{6CEEE8A2-3992-0442-930E-EB8AC6C1FDC4}"/>
-          </ac:picMkLst>
-        </pc:picChg>
-      </pc:sldChg>
-      <pc:sldChg chg="addSp modSp">
-        <pc:chgData name="Ветров Константин" userId="7d75ebfba114dc48" providerId="Windows Live" clId="Web-{538CB37B-60CD-4944-ADA1-2547A71FA8DE}" dt="2023-03-29T21:34:28.877" v="295" actId="20577"/>
-        <pc:sldMkLst>
-          <pc:docMk/>
-          <pc:sldMk cId="2546331792" sldId="272"/>
-        </pc:sldMkLst>
-        <pc:spChg chg="mod">
-          <ac:chgData name="Ветров Константин" userId="7d75ebfba114dc48" providerId="Windows Live" clId="Web-{538CB37B-60CD-4944-ADA1-2547A71FA8DE}" dt="2023-03-29T21:34:28.877" v="295" actId="20577"/>
-          <ac:spMkLst>
-            <pc:docMk/>
-            <pc:sldMk cId="2546331792" sldId="272"/>
-            <ac:spMk id="2" creationId="{00000000-0000-0000-0000-000000000000}"/>
-          </ac:spMkLst>
-        </pc:spChg>
-        <pc:spChg chg="add mod">
-          <ac:chgData name="Ветров Константин" userId="7d75ebfba114dc48" providerId="Windows Live" clId="Web-{538CB37B-60CD-4944-ADA1-2547A71FA8DE}" dt="2023-03-29T20:08:50.732" v="11"/>
-          <ac:spMkLst>
-            <pc:docMk/>
-            <pc:sldMk cId="2546331792" sldId="272"/>
-            <ac:spMk id="3" creationId="{71DF8204-CEC2-F473-A9A4-7E85ABAF03AF}"/>
-          </ac:spMkLst>
-        </pc:spChg>
-        <pc:picChg chg="mod">
-          <ac:chgData name="Ветров Константин" userId="7d75ebfba114dc48" providerId="Windows Live" clId="Web-{538CB37B-60CD-4944-ADA1-2547A71FA8DE}" dt="2023-03-29T21:01:48.063" v="233" actId="1076"/>
-          <ac:picMkLst>
-            <pc:docMk/>
-            <pc:sldMk cId="2546331792" sldId="272"/>
-            <ac:picMk id="4" creationId="{F363E93D-F777-4D7E-8C74-FEF814366061}"/>
-          </ac:picMkLst>
-        </pc:picChg>
-      </pc:sldChg>
-      <pc:sldChg chg="addSp modSp ord">
-        <pc:chgData name="Ветров Константин" userId="7d75ebfba114dc48" providerId="Windows Live" clId="Web-{538CB37B-60CD-4944-ADA1-2547A71FA8DE}" dt="2023-03-29T21:34:11.704" v="287" actId="20577"/>
-        <pc:sldMkLst>
-          <pc:docMk/>
-          <pc:sldMk cId="2134219608" sldId="273"/>
-        </pc:sldMkLst>
-        <pc:spChg chg="mod">
-          <ac:chgData name="Ветров Константин" userId="7d75ebfba114dc48" providerId="Windows Live" clId="Web-{538CB37B-60CD-4944-ADA1-2547A71FA8DE}" dt="2023-03-29T21:34:11.704" v="287" actId="20577"/>
-          <ac:spMkLst>
-            <pc:docMk/>
-            <pc:sldMk cId="2134219608" sldId="273"/>
-            <ac:spMk id="2" creationId="{00000000-0000-0000-0000-000000000000}"/>
-          </ac:spMkLst>
-        </pc:spChg>
-        <pc:spChg chg="add mod">
-          <ac:chgData name="Ветров Константин" userId="7d75ebfba114dc48" providerId="Windows Live" clId="Web-{538CB37B-60CD-4944-ADA1-2547A71FA8DE}" dt="2023-03-29T20:08:50.732" v="11"/>
-          <ac:spMkLst>
-            <pc:docMk/>
-            <pc:sldMk cId="2134219608" sldId="273"/>
-            <ac:spMk id="3" creationId="{34BE3DB2-7FFC-AC5F-69A9-8092ADA7DF52}"/>
-          </ac:spMkLst>
-        </pc:spChg>
-        <pc:picChg chg="mod">
-          <ac:chgData name="Ветров Константин" userId="7d75ebfba114dc48" providerId="Windows Live" clId="Web-{538CB37B-60CD-4944-ADA1-2547A71FA8DE}" dt="2023-03-29T21:19:57.789" v="254" actId="1076"/>
-          <ac:picMkLst>
-            <pc:docMk/>
-            <pc:sldMk cId="2134219608" sldId="273"/>
-            <ac:picMk id="6" creationId="{19B61F54-1A76-343E-298C-5B309B7F82A2}"/>
-          </ac:picMkLst>
-        </pc:picChg>
-      </pc:sldChg>
-      <pc:sldChg chg="addSp modSp">
-        <pc:chgData name="Ветров Константин" userId="7d75ebfba114dc48" providerId="Windows Live" clId="Web-{538CB37B-60CD-4944-ADA1-2547A71FA8DE}" dt="2023-03-29T21:27:32.897" v="269" actId="20577"/>
-        <pc:sldMkLst>
-          <pc:docMk/>
-          <pc:sldMk cId="1848768194" sldId="274"/>
-        </pc:sldMkLst>
-        <pc:spChg chg="mod">
-          <ac:chgData name="Ветров Константин" userId="7d75ebfba114dc48" providerId="Windows Live" clId="Web-{538CB37B-60CD-4944-ADA1-2547A71FA8DE}" dt="2023-03-29T20:15:33.743" v="36"/>
-          <ac:spMkLst>
-            <pc:docMk/>
-            <pc:sldMk cId="1848768194" sldId="274"/>
-            <ac:spMk id="2" creationId="{00000000-0000-0000-0000-000000000000}"/>
-          </ac:spMkLst>
-        </pc:spChg>
-        <pc:spChg chg="add mod">
-          <ac:chgData name="Ветров Константин" userId="7d75ebfba114dc48" providerId="Windows Live" clId="Web-{538CB37B-60CD-4944-ADA1-2547A71FA8DE}" dt="2023-03-29T20:08:50.732" v="11"/>
-          <ac:spMkLst>
-            <pc:docMk/>
-            <pc:sldMk cId="1848768194" sldId="274"/>
-            <ac:spMk id="3" creationId="{EBCA2789-BF15-EB93-FDD7-76727ED15751}"/>
-          </ac:spMkLst>
-        </pc:spChg>
-        <pc:spChg chg="mod">
-          <ac:chgData name="Ветров Константин" userId="7d75ebfba114dc48" providerId="Windows Live" clId="Web-{538CB37B-60CD-4944-ADA1-2547A71FA8DE}" dt="2023-03-29T21:27:32.897" v="269" actId="20577"/>
-          <ac:spMkLst>
-            <pc:docMk/>
-            <pc:sldMk cId="1848768194" sldId="274"/>
-            <ac:spMk id="4" creationId="{D286B843-E720-45CB-AF7D-47AFC27608EF}"/>
-          </ac:spMkLst>
-        </pc:spChg>
-        <pc:spChg chg="add mod">
-          <ac:chgData name="Ветров Константин" userId="7d75ebfba114dc48" providerId="Windows Live" clId="Web-{538CB37B-60CD-4944-ADA1-2547A71FA8DE}" dt="2023-03-29T21:27:01.613" v="264" actId="14100"/>
-          <ac:spMkLst>
-            <pc:docMk/>
-            <pc:sldMk cId="1848768194" sldId="274"/>
-            <ac:spMk id="5" creationId="{073208EE-701C-0F4A-5B72-FA75ED45F4D8}"/>
-          </ac:spMkLst>
-        </pc:spChg>
-        <pc:picChg chg="mod">
-          <ac:chgData name="Ветров Константин" userId="7d75ebfba114dc48" providerId="Windows Live" clId="Web-{538CB37B-60CD-4944-ADA1-2547A71FA8DE}" dt="2023-03-29T20:15:33.743" v="36"/>
-          <ac:picMkLst>
-            <pc:docMk/>
-            <pc:sldMk cId="1848768194" sldId="274"/>
-            <ac:picMk id="8" creationId="{5A8AF35C-2A51-1ECA-3A76-E4F766EBBF16}"/>
-          </ac:picMkLst>
-        </pc:picChg>
-      </pc:sldChg>
-      <pc:sldChg chg="modSp add replId">
-        <pc:chgData name="Ветров Константин" userId="7d75ebfba114dc48" providerId="Windows Live" clId="Web-{538CB37B-60CD-4944-ADA1-2547A71FA8DE}" dt="2023-03-29T20:38:32.847" v="168" actId="20577"/>
-        <pc:sldMkLst>
-          <pc:docMk/>
-          <pc:sldMk cId="2267296673" sldId="275"/>
-        </pc:sldMkLst>
-        <pc:spChg chg="mod">
-          <ac:chgData name="Ветров Константин" userId="7d75ebfba114dc48" providerId="Windows Live" clId="Web-{538CB37B-60CD-4944-ADA1-2547A71FA8DE}" dt="2023-03-29T20:38:16.096" v="161" actId="20577"/>
-          <ac:spMkLst>
-            <pc:docMk/>
-            <pc:sldMk cId="2267296673" sldId="275"/>
-            <ac:spMk id="2" creationId="{00000000-0000-0000-0000-000000000000}"/>
-          </ac:spMkLst>
-        </pc:spChg>
-        <pc:spChg chg="mod">
-          <ac:chgData name="Ветров Константин" userId="7d75ebfba114dc48" providerId="Windows Live" clId="Web-{538CB37B-60CD-4944-ADA1-2547A71FA8DE}" dt="2023-03-29T20:38:32.847" v="168" actId="20577"/>
-          <ac:spMkLst>
-            <pc:docMk/>
-            <pc:sldMk cId="2267296673" sldId="275"/>
-            <ac:spMk id="3" creationId="{00000000-0000-0000-0000-000000000000}"/>
-          </ac:spMkLst>
-        </pc:spChg>
-      </pc:sldChg>
-      <pc:sldMasterChg chg="modSp mod modSldLayout">
-        <pc:chgData name="Ветров Константин" userId="7d75ebfba114dc48" providerId="Windows Live" clId="Web-{538CB37B-60CD-4944-ADA1-2547A71FA8DE}" dt="2023-03-29T20:15:33.743" v="36"/>
-        <pc:sldMasterMkLst>
-          <pc:docMk/>
-          <pc:sldMasterMk cId="0" sldId="2147483684"/>
-        </pc:sldMasterMkLst>
-        <pc:spChg chg="mod">
-          <ac:chgData name="Ветров Константин" userId="7d75ebfba114dc48" providerId="Windows Live" clId="Web-{538CB37B-60CD-4944-ADA1-2547A71FA8DE}" dt="2023-03-29T20:15:33.743" v="36"/>
-          <ac:spMkLst>
-            <pc:docMk/>
-            <pc:sldMasterMk cId="0" sldId="2147483684"/>
-            <ac:spMk id="3" creationId="{00000000-0000-0000-0000-000000000000}"/>
-          </ac:spMkLst>
-        </pc:spChg>
-        <pc:spChg chg="mod">
-          <ac:chgData name="Ветров Константин" userId="7d75ebfba114dc48" providerId="Windows Live" clId="Web-{538CB37B-60CD-4944-ADA1-2547A71FA8DE}" dt="2023-03-29T20:15:33.743" v="36"/>
-          <ac:spMkLst>
-            <pc:docMk/>
-            <pc:sldMasterMk cId="0" sldId="2147483684"/>
-            <ac:spMk id="13" creationId="{00000000-0000-0000-0000-000000000000}"/>
-          </ac:spMkLst>
-        </pc:spChg>
-        <pc:spChg chg="mod">
-          <ac:chgData name="Ветров Константин" userId="7d75ebfba114dc48" providerId="Windows Live" clId="Web-{538CB37B-60CD-4944-ADA1-2547A71FA8DE}" dt="2023-03-29T20:15:33.743" v="36"/>
-          <ac:spMkLst>
-            <pc:docMk/>
-            <pc:sldMasterMk cId="0" sldId="2147483684"/>
-            <ac:spMk id="14" creationId="{00000000-0000-0000-0000-000000000000}"/>
-          </ac:spMkLst>
-        </pc:spChg>
-        <pc:spChg chg="mod">
-          <ac:chgData name="Ветров Константин" userId="7d75ebfba114dc48" providerId="Windows Live" clId="Web-{538CB37B-60CD-4944-ADA1-2547A71FA8DE}" dt="2023-03-29T20:15:33.743" v="36"/>
-          <ac:spMkLst>
-            <pc:docMk/>
-            <pc:sldMasterMk cId="0" sldId="2147483684"/>
-            <ac:spMk id="22" creationId="{00000000-0000-0000-0000-000000000000}"/>
-          </ac:spMkLst>
-        </pc:spChg>
-        <pc:spChg chg="mod">
-          <ac:chgData name="Ветров Константин" userId="7d75ebfba114dc48" providerId="Windows Live" clId="Web-{538CB37B-60CD-4944-ADA1-2547A71FA8DE}" dt="2023-03-29T20:15:33.743" v="36"/>
-          <ac:spMkLst>
-            <pc:docMk/>
-            <pc:sldMasterMk cId="0" sldId="2147483684"/>
-            <ac:spMk id="23" creationId="{00000000-0000-0000-0000-000000000000}"/>
-          </ac:spMkLst>
-        </pc:spChg>
-        <pc:spChg chg="mod">
-          <ac:chgData name="Ветров Константин" userId="7d75ebfba114dc48" providerId="Windows Live" clId="Web-{538CB37B-60CD-4944-ADA1-2547A71FA8DE}" dt="2023-03-29T20:15:33.743" v="36"/>
-          <ac:spMkLst>
-            <pc:docMk/>
-            <pc:sldMasterMk cId="0" sldId="2147483684"/>
-            <ac:spMk id="28" creationId="{00000000-0000-0000-0000-000000000000}"/>
-          </ac:spMkLst>
-        </pc:spChg>
-        <pc:spChg chg="mod">
-          <ac:chgData name="Ветров Константин" userId="7d75ebfba114dc48" providerId="Windows Live" clId="Web-{538CB37B-60CD-4944-ADA1-2547A71FA8DE}" dt="2023-03-29T20:15:33.743" v="36"/>
-          <ac:spMkLst>
-            <pc:docMk/>
-            <pc:sldMasterMk cId="0" sldId="2147483684"/>
-            <ac:spMk id="29" creationId="{00000000-0000-0000-0000-000000000000}"/>
-          </ac:spMkLst>
-        </pc:spChg>
-        <pc:spChg chg="mod">
-          <ac:chgData name="Ветров Константин" userId="7d75ebfba114dc48" providerId="Windows Live" clId="Web-{538CB37B-60CD-4944-ADA1-2547A71FA8DE}" dt="2023-03-29T20:15:33.743" v="36"/>
-          <ac:spMkLst>
-            <pc:docMk/>
-            <pc:sldMasterMk cId="0" sldId="2147483684"/>
-            <ac:spMk id="30" creationId="{00000000-0000-0000-0000-000000000000}"/>
-          </ac:spMkLst>
-        </pc:spChg>
-        <pc:spChg chg="mod">
-          <ac:chgData name="Ветров Константин" userId="7d75ebfba114dc48" providerId="Windows Live" clId="Web-{538CB37B-60CD-4944-ADA1-2547A71FA8DE}" dt="2023-03-29T20:15:33.743" v="36"/>
-          <ac:spMkLst>
-            <pc:docMk/>
-            <pc:sldMasterMk cId="0" sldId="2147483684"/>
-            <ac:spMk id="31" creationId="{00000000-0000-0000-0000-000000000000}"/>
-          </ac:spMkLst>
-        </pc:spChg>
-        <pc:spChg chg="mod">
-          <ac:chgData name="Ветров Константин" userId="7d75ebfba114dc48" providerId="Windows Live" clId="Web-{538CB37B-60CD-4944-ADA1-2547A71FA8DE}" dt="2023-03-29T20:15:33.743" v="36"/>
-          <ac:spMkLst>
-            <pc:docMk/>
-            <pc:sldMasterMk cId="0" sldId="2147483684"/>
-            <ac:spMk id="32" creationId="{00000000-0000-0000-0000-000000000000}"/>
-          </ac:spMkLst>
-        </pc:spChg>
-        <pc:spChg chg="mod">
-          <ac:chgData name="Ветров Константин" userId="7d75ebfba114dc48" providerId="Windows Live" clId="Web-{538CB37B-60CD-4944-ADA1-2547A71FA8DE}" dt="2023-03-29T20:15:33.743" v="36"/>
-          <ac:spMkLst>
-            <pc:docMk/>
-            <pc:sldMasterMk cId="0" sldId="2147483684"/>
-            <ac:spMk id="33" creationId="{00000000-0000-0000-0000-000000000000}"/>
-          </ac:spMkLst>
-        </pc:spChg>
-        <pc:spChg chg="mod">
-          <ac:chgData name="Ветров Константин" userId="7d75ebfba114dc48" providerId="Windows Live" clId="Web-{538CB37B-60CD-4944-ADA1-2547A71FA8DE}" dt="2023-03-29T20:15:33.743" v="36"/>
-          <ac:spMkLst>
-            <pc:docMk/>
-            <pc:sldMasterMk cId="0" sldId="2147483684"/>
-            <ac:spMk id="34" creationId="{00000000-0000-0000-0000-000000000000}"/>
-          </ac:spMkLst>
-        </pc:spChg>
-        <pc:spChg chg="mod">
-          <ac:chgData name="Ветров Константин" userId="7d75ebfba114dc48" providerId="Windows Live" clId="Web-{538CB37B-60CD-4944-ADA1-2547A71FA8DE}" dt="2023-03-29T20:15:33.743" v="36"/>
-          <ac:spMkLst>
-            <pc:docMk/>
-            <pc:sldMasterMk cId="0" sldId="2147483684"/>
-            <ac:spMk id="35" creationId="{00000000-0000-0000-0000-000000000000}"/>
-          </ac:spMkLst>
-        </pc:spChg>
-        <pc:spChg chg="mod">
-          <ac:chgData name="Ветров Константин" userId="7d75ebfba114dc48" providerId="Windows Live" clId="Web-{538CB37B-60CD-4944-ADA1-2547A71FA8DE}" dt="2023-03-29T20:15:33.743" v="36"/>
-          <ac:spMkLst>
-            <pc:docMk/>
-            <pc:sldMasterMk cId="0" sldId="2147483684"/>
-            <ac:spMk id="36" creationId="{00000000-0000-0000-0000-000000000000}"/>
-          </ac:spMkLst>
-        </pc:spChg>
-        <pc:spChg chg="mod">
-          <ac:chgData name="Ветров Константин" userId="7d75ebfba114dc48" providerId="Windows Live" clId="Web-{538CB37B-60CD-4944-ADA1-2547A71FA8DE}" dt="2023-03-29T20:15:33.743" v="36"/>
-          <ac:spMkLst>
-            <pc:docMk/>
-            <pc:sldMasterMk cId="0" sldId="2147483684"/>
-            <ac:spMk id="37" creationId="{00000000-0000-0000-0000-000000000000}"/>
-          </ac:spMkLst>
-        </pc:spChg>
-        <pc:spChg chg="mod">
-          <ac:chgData name="Ветров Константин" userId="7d75ebfba114dc48" providerId="Windows Live" clId="Web-{538CB37B-60CD-4944-ADA1-2547A71FA8DE}" dt="2023-03-29T20:15:33.743" v="36"/>
-          <ac:spMkLst>
-            <pc:docMk/>
-            <pc:sldMasterMk cId="0" sldId="2147483684"/>
-            <ac:spMk id="38" creationId="{00000000-0000-0000-0000-000000000000}"/>
-          </ac:spMkLst>
-        </pc:spChg>
-        <pc:spChg chg="mod">
-          <ac:chgData name="Ветров Константин" userId="7d75ebfba114dc48" providerId="Windows Live" clId="Web-{538CB37B-60CD-4944-ADA1-2547A71FA8DE}" dt="2023-03-29T20:15:33.743" v="36"/>
-          <ac:spMkLst>
-            <pc:docMk/>
-            <pc:sldMasterMk cId="0" sldId="2147483684"/>
-            <ac:spMk id="39" creationId="{00000000-0000-0000-0000-000000000000}"/>
-          </ac:spMkLst>
-        </pc:spChg>
-        <pc:spChg chg="mod">
-          <ac:chgData name="Ветров Константин" userId="7d75ebfba114dc48" providerId="Windows Live" clId="Web-{538CB37B-60CD-4944-ADA1-2547A71FA8DE}" dt="2023-03-29T20:15:33.743" v="36"/>
-          <ac:spMkLst>
-            <pc:docMk/>
-            <pc:sldMasterMk cId="0" sldId="2147483684"/>
-            <ac:spMk id="40" creationId="{00000000-0000-0000-0000-000000000000}"/>
-          </ac:spMkLst>
-        </pc:spChg>
-        <pc:sldLayoutChg chg="modSp mod">
-          <pc:chgData name="Ветров Константин" userId="7d75ebfba114dc48" providerId="Windows Live" clId="Web-{538CB37B-60CD-4944-ADA1-2547A71FA8DE}" dt="2023-03-29T20:15:33.743" v="36"/>
-          <pc:sldLayoutMkLst>
-            <pc:docMk/>
-            <pc:sldMasterMk cId="0" sldId="2147483684"/>
-            <pc:sldLayoutMk cId="0" sldId="2147483685"/>
-          </pc:sldLayoutMkLst>
-          <pc:spChg chg="mod">
-            <ac:chgData name="Ветров Константин" userId="7d75ebfba114dc48" providerId="Windows Live" clId="Web-{538CB37B-60CD-4944-ADA1-2547A71FA8DE}" dt="2023-03-29T20:15:33.743" v="36"/>
-            <ac:spMkLst>
-              <pc:docMk/>
-              <pc:sldMasterMk cId="0" sldId="2147483684"/>
-              <pc:sldLayoutMk cId="0" sldId="2147483685"/>
-              <ac:spMk id="7" creationId="{00000000-0000-0000-0000-000000000000}"/>
-            </ac:spMkLst>
-          </pc:spChg>
-          <pc:spChg chg="mod">
-            <ac:chgData name="Ветров Константин" userId="7d75ebfba114dc48" providerId="Windows Live" clId="Web-{538CB37B-60CD-4944-ADA1-2547A71FA8DE}" dt="2023-03-29T20:15:33.743" v="36"/>
-            <ac:spMkLst>
-              <pc:docMk/>
-              <pc:sldMasterMk cId="0" sldId="2147483684"/>
-              <pc:sldLayoutMk cId="0" sldId="2147483685"/>
-              <ac:spMk id="8" creationId="{00000000-0000-0000-0000-000000000000}"/>
-            </ac:spMkLst>
-          </pc:spChg>
-          <pc:spChg chg="mod">
-            <ac:chgData name="Ветров Константин" userId="7d75ebfba114dc48" providerId="Windows Live" clId="Web-{538CB37B-60CD-4944-ADA1-2547A71FA8DE}" dt="2023-03-29T20:15:33.743" v="36"/>
-            <ac:spMkLst>
-              <pc:docMk/>
-              <pc:sldMasterMk cId="0" sldId="2147483684"/>
-              <pc:sldLayoutMk cId="0" sldId="2147483685"/>
-              <ac:spMk id="9" creationId="{00000000-0000-0000-0000-000000000000}"/>
-            </ac:spMkLst>
-          </pc:spChg>
-          <pc:spChg chg="mod">
-            <ac:chgData name="Ветров Константин" userId="7d75ebfba114dc48" providerId="Windows Live" clId="Web-{538CB37B-60CD-4944-ADA1-2547A71FA8DE}" dt="2023-03-29T20:15:33.743" v="36"/>
-            <ac:spMkLst>
-              <pc:docMk/>
-              <pc:sldMasterMk cId="0" sldId="2147483684"/>
-              <pc:sldLayoutMk cId="0" sldId="2147483685"/>
-              <ac:spMk id="10" creationId="{00000000-0000-0000-0000-000000000000}"/>
-            </ac:spMkLst>
-          </pc:spChg>
-          <pc:spChg chg="mod">
-            <ac:chgData name="Ветров Константин" userId="7d75ebfba114dc48" providerId="Windows Live" clId="Web-{538CB37B-60CD-4944-ADA1-2547A71FA8DE}" dt="2023-03-29T20:15:33.743" v="36"/>
-            <ac:spMkLst>
-              <pc:docMk/>
-              <pc:sldMasterMk cId="0" sldId="2147483684"/>
-              <pc:sldLayoutMk cId="0" sldId="2147483685"/>
-              <ac:spMk id="11" creationId="{00000000-0000-0000-0000-000000000000}"/>
-            </ac:spMkLst>
-          </pc:spChg>
-          <pc:spChg chg="mod">
-            <ac:chgData name="Ветров Константин" userId="7d75ebfba114dc48" providerId="Windows Live" clId="Web-{538CB37B-60CD-4944-ADA1-2547A71FA8DE}" dt="2023-03-29T20:15:33.743" v="36"/>
-            <ac:spMkLst>
-              <pc:docMk/>
-              <pc:sldMasterMk cId="0" sldId="2147483684"/>
-              <pc:sldLayoutMk cId="0" sldId="2147483685"/>
-              <ac:spMk id="17" creationId="{00000000-0000-0000-0000-000000000000}"/>
-            </ac:spMkLst>
-          </pc:spChg>
-          <pc:spChg chg="mod">
-            <ac:chgData name="Ветров Константин" userId="7d75ebfba114dc48" providerId="Windows Live" clId="Web-{538CB37B-60CD-4944-ADA1-2547A71FA8DE}" dt="2023-03-29T20:15:33.743" v="36"/>
-            <ac:spMkLst>
-              <pc:docMk/>
-              <pc:sldMasterMk cId="0" sldId="2147483684"/>
-              <pc:sldLayoutMk cId="0" sldId="2147483685"/>
-              <ac:spMk id="19" creationId="{00000000-0000-0000-0000-000000000000}"/>
-            </ac:spMkLst>
-          </pc:spChg>
-          <pc:spChg chg="mod">
-            <ac:chgData name="Ветров Константин" userId="7d75ebfba114dc48" providerId="Windows Live" clId="Web-{538CB37B-60CD-4944-ADA1-2547A71FA8DE}" dt="2023-03-29T20:15:33.743" v="36"/>
-            <ac:spMkLst>
-              <pc:docMk/>
-              <pc:sldMasterMk cId="0" sldId="2147483684"/>
-              <pc:sldLayoutMk cId="0" sldId="2147483685"/>
-              <ac:spMk id="23" creationId="{00000000-0000-0000-0000-000000000000}"/>
-            </ac:spMkLst>
-          </pc:spChg>
-          <pc:spChg chg="mod">
-            <ac:chgData name="Ветров Константин" userId="7d75ebfba114dc48" providerId="Windows Live" clId="Web-{538CB37B-60CD-4944-ADA1-2547A71FA8DE}" dt="2023-03-29T20:15:33.743" v="36"/>
-            <ac:spMkLst>
-              <pc:docMk/>
-              <pc:sldMasterMk cId="0" sldId="2147483684"/>
-              <pc:sldLayoutMk cId="0" sldId="2147483685"/>
-              <ac:spMk id="24" creationId="{00000000-0000-0000-0000-000000000000}"/>
-            </ac:spMkLst>
-          </pc:spChg>
-          <pc:spChg chg="mod">
-            <ac:chgData name="Ветров Константин" userId="7d75ebfba114dc48" providerId="Windows Live" clId="Web-{538CB37B-60CD-4944-ADA1-2547A71FA8DE}" dt="2023-03-29T20:15:33.743" v="36"/>
-            <ac:spMkLst>
-              <pc:docMk/>
-              <pc:sldMasterMk cId="0" sldId="2147483684"/>
-              <pc:sldLayoutMk cId="0" sldId="2147483685"/>
-              <ac:spMk id="25" creationId="{00000000-0000-0000-0000-000000000000}"/>
-            </ac:spMkLst>
-          </pc:spChg>
-          <pc:spChg chg="mod">
-            <ac:chgData name="Ветров Константин" userId="7d75ebfba114dc48" providerId="Windows Live" clId="Web-{538CB37B-60CD-4944-ADA1-2547A71FA8DE}" dt="2023-03-29T20:15:33.743" v="36"/>
-            <ac:spMkLst>
-              <pc:docMk/>
-              <pc:sldMasterMk cId="0" sldId="2147483684"/>
-              <pc:sldLayoutMk cId="0" sldId="2147483685"/>
-              <ac:spMk id="26" creationId="{00000000-0000-0000-0000-000000000000}"/>
-            </ac:spMkLst>
-          </pc:spChg>
-          <pc:spChg chg="mod">
-            <ac:chgData name="Ветров Константин" userId="7d75ebfba114dc48" providerId="Windows Live" clId="Web-{538CB37B-60CD-4944-ADA1-2547A71FA8DE}" dt="2023-03-29T20:15:33.743" v="36"/>
-            <ac:spMkLst>
-              <pc:docMk/>
-              <pc:sldMasterMk cId="0" sldId="2147483684"/>
-              <pc:sldLayoutMk cId="0" sldId="2147483685"/>
-              <ac:spMk id="27" creationId="{00000000-0000-0000-0000-000000000000}"/>
-            </ac:spMkLst>
-          </pc:spChg>
-          <pc:spChg chg="mod">
-            <ac:chgData name="Ветров Константин" userId="7d75ebfba114dc48" providerId="Windows Live" clId="Web-{538CB37B-60CD-4944-ADA1-2547A71FA8DE}" dt="2023-03-29T20:15:33.743" v="36"/>
-            <ac:spMkLst>
-              <pc:docMk/>
-              <pc:sldMasterMk cId="0" sldId="2147483684"/>
-              <pc:sldLayoutMk cId="0" sldId="2147483685"/>
-              <ac:spMk id="28" creationId="{00000000-0000-0000-0000-000000000000}"/>
-            </ac:spMkLst>
-          </pc:spChg>
-          <pc:spChg chg="mod">
-            <ac:chgData name="Ветров Константин" userId="7d75ebfba114dc48" providerId="Windows Live" clId="Web-{538CB37B-60CD-4944-ADA1-2547A71FA8DE}" dt="2023-03-29T20:15:33.743" v="36"/>
-            <ac:spMkLst>
-              <pc:docMk/>
-              <pc:sldMasterMk cId="0" sldId="2147483684"/>
-              <pc:sldLayoutMk cId="0" sldId="2147483685"/>
-              <ac:spMk id="29" creationId="{00000000-0000-0000-0000-000000000000}"/>
-            </ac:spMkLst>
-          </pc:spChg>
-          <pc:spChg chg="mod">
-            <ac:chgData name="Ветров Константин" userId="7d75ebfba114dc48" providerId="Windows Live" clId="Web-{538CB37B-60CD-4944-ADA1-2547A71FA8DE}" dt="2023-03-29T20:15:33.743" v="36"/>
-            <ac:spMkLst>
-              <pc:docMk/>
-              <pc:sldMasterMk cId="0" sldId="2147483684"/>
-              <pc:sldLayoutMk cId="0" sldId="2147483685"/>
-              <ac:spMk id="30" creationId="{00000000-0000-0000-0000-000000000000}"/>
-            </ac:spMkLst>
-          </pc:spChg>
-          <pc:spChg chg="mod">
-            <ac:chgData name="Ветров Константин" userId="7d75ebfba114dc48" providerId="Windows Live" clId="Web-{538CB37B-60CD-4944-ADA1-2547A71FA8DE}" dt="2023-03-29T20:15:33.743" v="36"/>
-            <ac:spMkLst>
-              <pc:docMk/>
-              <pc:sldMasterMk cId="0" sldId="2147483684"/>
-              <pc:sldLayoutMk cId="0" sldId="2147483685"/>
-              <ac:spMk id="31" creationId="{00000000-0000-0000-0000-000000000000}"/>
-            </ac:spMkLst>
-          </pc:spChg>
-        </pc:sldLayoutChg>
-        <pc:sldLayoutChg chg="mod">
-          <pc:chgData name="Ветров Константин" userId="7d75ebfba114dc48" providerId="Windows Live" clId="Web-{538CB37B-60CD-4944-ADA1-2547A71FA8DE}" dt="2023-03-29T20:09:16.437" v="19"/>
-          <pc:sldLayoutMkLst>
-            <pc:docMk/>
-            <pc:sldMasterMk cId="0" sldId="2147483684"/>
-            <pc:sldLayoutMk cId="0" sldId="2147483686"/>
-          </pc:sldLayoutMkLst>
-        </pc:sldLayoutChg>
-        <pc:sldLayoutChg chg="modSp mod">
-          <pc:chgData name="Ветров Константин" userId="7d75ebfba114dc48" providerId="Windows Live" clId="Web-{538CB37B-60CD-4944-ADA1-2547A71FA8DE}" dt="2023-03-29T20:15:33.743" v="36"/>
-          <pc:sldLayoutMkLst>
-            <pc:docMk/>
-            <pc:sldMasterMk cId="0" sldId="2147483684"/>
-            <pc:sldLayoutMk cId="0" sldId="2147483687"/>
-          </pc:sldLayoutMkLst>
-          <pc:spChg chg="mod">
-            <ac:chgData name="Ветров Константин" userId="7d75ebfba114dc48" providerId="Windows Live" clId="Web-{538CB37B-60CD-4944-ADA1-2547A71FA8DE}" dt="2023-03-29T20:15:33.743" v="36"/>
-            <ac:spMkLst>
-              <pc:docMk/>
-              <pc:sldMasterMk cId="0" sldId="2147483684"/>
-              <pc:sldLayoutMk cId="0" sldId="2147483687"/>
-              <ac:spMk id="2" creationId="{00000000-0000-0000-0000-000000000000}"/>
-            </ac:spMkLst>
-          </pc:spChg>
-          <pc:spChg chg="mod">
-            <ac:chgData name="Ветров Константин" userId="7d75ebfba114dc48" providerId="Windows Live" clId="Web-{538CB37B-60CD-4944-ADA1-2547A71FA8DE}" dt="2023-03-29T20:15:33.743" v="36"/>
-            <ac:spMkLst>
-              <pc:docMk/>
-              <pc:sldMasterMk cId="0" sldId="2147483684"/>
-              <pc:sldLayoutMk cId="0" sldId="2147483687"/>
-              <ac:spMk id="3" creationId="{00000000-0000-0000-0000-000000000000}"/>
-            </ac:spMkLst>
-          </pc:spChg>
-        </pc:sldLayoutChg>
-        <pc:sldLayoutChg chg="modSp mod">
-          <pc:chgData name="Ветров Константин" userId="7d75ebfba114dc48" providerId="Windows Live" clId="Web-{538CB37B-60CD-4944-ADA1-2547A71FA8DE}" dt="2023-03-29T20:15:33.743" v="36"/>
-          <pc:sldLayoutMkLst>
-            <pc:docMk/>
-            <pc:sldMasterMk cId="0" sldId="2147483684"/>
-            <pc:sldLayoutMk cId="0" sldId="2147483688"/>
-          </pc:sldLayoutMkLst>
-          <pc:spChg chg="mod">
-            <ac:chgData name="Ветров Константин" userId="7d75ebfba114dc48" providerId="Windows Live" clId="Web-{538CB37B-60CD-4944-ADA1-2547A71FA8DE}" dt="2023-03-29T20:15:33.743" v="36"/>
-            <ac:spMkLst>
-              <pc:docMk/>
-              <pc:sldMasterMk cId="0" sldId="2147483684"/>
-              <pc:sldLayoutMk cId="0" sldId="2147483688"/>
-              <ac:spMk id="3" creationId="{00000000-0000-0000-0000-000000000000}"/>
-            </ac:spMkLst>
-          </pc:spChg>
-          <pc:spChg chg="mod">
-            <ac:chgData name="Ветров Константин" userId="7d75ebfba114dc48" providerId="Windows Live" clId="Web-{538CB37B-60CD-4944-ADA1-2547A71FA8DE}" dt="2023-03-29T20:15:33.743" v="36"/>
-            <ac:spMkLst>
-              <pc:docMk/>
-              <pc:sldMasterMk cId="0" sldId="2147483684"/>
-              <pc:sldLayoutMk cId="0" sldId="2147483688"/>
-              <ac:spMk id="4" creationId="{00000000-0000-0000-0000-000000000000}"/>
-            </ac:spMkLst>
-          </pc:spChg>
-        </pc:sldLayoutChg>
-        <pc:sldLayoutChg chg="modSp mod">
-          <pc:chgData name="Ветров Константин" userId="7d75ebfba114dc48" providerId="Windows Live" clId="Web-{538CB37B-60CD-4944-ADA1-2547A71FA8DE}" dt="2023-03-29T20:15:33.743" v="36"/>
-          <pc:sldLayoutMkLst>
-            <pc:docMk/>
-            <pc:sldMasterMk cId="0" sldId="2147483684"/>
-            <pc:sldLayoutMk cId="0" sldId="2147483689"/>
-          </pc:sldLayoutMkLst>
-          <pc:spChg chg="mod">
-            <ac:chgData name="Ветров Константин" userId="7d75ebfba114dc48" providerId="Windows Live" clId="Web-{538CB37B-60CD-4944-ADA1-2547A71FA8DE}" dt="2023-03-29T20:15:33.743" v="36"/>
-            <ac:spMkLst>
-              <pc:docMk/>
-              <pc:sldMasterMk cId="0" sldId="2147483684"/>
-              <pc:sldLayoutMk cId="0" sldId="2147483689"/>
-              <ac:spMk id="2" creationId="{00000000-0000-0000-0000-000000000000}"/>
-            </ac:spMkLst>
-          </pc:spChg>
-          <pc:spChg chg="mod">
-            <ac:chgData name="Ветров Константин" userId="7d75ebfba114dc48" providerId="Windows Live" clId="Web-{538CB37B-60CD-4944-ADA1-2547A71FA8DE}" dt="2023-03-29T20:15:33.743" v="36"/>
-            <ac:spMkLst>
-              <pc:docMk/>
-              <pc:sldMasterMk cId="0" sldId="2147483684"/>
-              <pc:sldLayoutMk cId="0" sldId="2147483689"/>
-              <ac:spMk id="3" creationId="{00000000-0000-0000-0000-000000000000}"/>
-            </ac:spMkLst>
-          </pc:spChg>
-          <pc:spChg chg="mod">
-            <ac:chgData name="Ветров Константин" userId="7d75ebfba114dc48" providerId="Windows Live" clId="Web-{538CB37B-60CD-4944-ADA1-2547A71FA8DE}" dt="2023-03-29T20:15:33.743" v="36"/>
-            <ac:spMkLst>
-              <pc:docMk/>
-              <pc:sldMasterMk cId="0" sldId="2147483684"/>
-              <pc:sldLayoutMk cId="0" sldId="2147483689"/>
-              <ac:spMk id="4" creationId="{00000000-0000-0000-0000-000000000000}"/>
-            </ac:spMkLst>
-          </pc:spChg>
-          <pc:spChg chg="mod">
-            <ac:chgData name="Ветров Константин" userId="7d75ebfba114dc48" providerId="Windows Live" clId="Web-{538CB37B-60CD-4944-ADA1-2547A71FA8DE}" dt="2023-03-29T20:15:33.743" v="36"/>
-            <ac:spMkLst>
-              <pc:docMk/>
-              <pc:sldMasterMk cId="0" sldId="2147483684"/>
-              <pc:sldLayoutMk cId="0" sldId="2147483689"/>
-              <ac:spMk id="5" creationId="{00000000-0000-0000-0000-000000000000}"/>
-            </ac:spMkLst>
-          </pc:spChg>
-          <pc:spChg chg="mod">
-            <ac:chgData name="Ветров Константин" userId="7d75ebfba114dc48" providerId="Windows Live" clId="Web-{538CB37B-60CD-4944-ADA1-2547A71FA8DE}" dt="2023-03-29T20:15:33.743" v="36"/>
-            <ac:spMkLst>
-              <pc:docMk/>
-              <pc:sldMasterMk cId="0" sldId="2147483684"/>
-              <pc:sldLayoutMk cId="0" sldId="2147483689"/>
-              <ac:spMk id="6" creationId="{00000000-0000-0000-0000-000000000000}"/>
-            </ac:spMkLst>
-          </pc:spChg>
-        </pc:sldLayoutChg>
-        <pc:sldLayoutChg chg="modSp mod">
-          <pc:chgData name="Ветров Константин" userId="7d75ebfba114dc48" providerId="Windows Live" clId="Web-{538CB37B-60CD-4944-ADA1-2547A71FA8DE}" dt="2023-03-29T20:15:33.743" v="36"/>
-          <pc:sldLayoutMkLst>
-            <pc:docMk/>
-            <pc:sldMasterMk cId="0" sldId="2147483684"/>
-            <pc:sldLayoutMk cId="0" sldId="2147483690"/>
-          </pc:sldLayoutMkLst>
-          <pc:spChg chg="mod">
-            <ac:chgData name="Ветров Константин" userId="7d75ebfba114dc48" providerId="Windows Live" clId="Web-{538CB37B-60CD-4944-ADA1-2547A71FA8DE}" dt="2023-03-29T20:15:33.743" v="36"/>
-            <ac:spMkLst>
-              <pc:docMk/>
-              <pc:sldMasterMk cId="0" sldId="2147483684"/>
-              <pc:sldLayoutMk cId="0" sldId="2147483690"/>
-              <ac:spMk id="2" creationId="{00000000-0000-0000-0000-000000000000}"/>
-            </ac:spMkLst>
-          </pc:spChg>
-          <pc:spChg chg="mod">
-            <ac:chgData name="Ветров Константин" userId="7d75ebfba114dc48" providerId="Windows Live" clId="Web-{538CB37B-60CD-4944-ADA1-2547A71FA8DE}" dt="2023-03-29T20:15:33.743" v="36"/>
-            <ac:spMkLst>
-              <pc:docMk/>
-              <pc:sldMasterMk cId="0" sldId="2147483684"/>
-              <pc:sldLayoutMk cId="0" sldId="2147483690"/>
-              <ac:spMk id="3" creationId="{00000000-0000-0000-0000-000000000000}"/>
-            </ac:spMkLst>
-          </pc:spChg>
-          <pc:spChg chg="mod">
-            <ac:chgData name="Ветров Константин" userId="7d75ebfba114dc48" providerId="Windows Live" clId="Web-{538CB37B-60CD-4944-ADA1-2547A71FA8DE}" dt="2023-03-29T20:15:33.743" v="36"/>
-            <ac:spMkLst>
-              <pc:docMk/>
-              <pc:sldMasterMk cId="0" sldId="2147483684"/>
-              <pc:sldLayoutMk cId="0" sldId="2147483690"/>
-              <ac:spMk id="4" creationId="{00000000-0000-0000-0000-000000000000}"/>
-            </ac:spMkLst>
-          </pc:spChg>
-          <pc:spChg chg="mod">
-            <ac:chgData name="Ветров Константин" userId="7d75ebfba114dc48" providerId="Windows Live" clId="Web-{538CB37B-60CD-4944-ADA1-2547A71FA8DE}" dt="2023-03-29T20:15:33.743" v="36"/>
-            <ac:spMkLst>
-              <pc:docMk/>
-              <pc:sldMasterMk cId="0" sldId="2147483684"/>
-              <pc:sldLayoutMk cId="0" sldId="2147483690"/>
-              <ac:spMk id="5" creationId="{00000000-0000-0000-0000-000000000000}"/>
-            </ac:spMkLst>
-          </pc:spChg>
-        </pc:sldLayoutChg>
-        <pc:sldLayoutChg chg="mod">
-          <pc:chgData name="Ветров Константин" userId="7d75ebfba114dc48" providerId="Windows Live" clId="Web-{538CB37B-60CD-4944-ADA1-2547A71FA8DE}" dt="2023-03-29T20:09:16.437" v="19"/>
-          <pc:sldLayoutMkLst>
-            <pc:docMk/>
-            <pc:sldMasterMk cId="0" sldId="2147483684"/>
-            <pc:sldLayoutMk cId="0" sldId="2147483691"/>
-          </pc:sldLayoutMkLst>
-        </pc:sldLayoutChg>
-        <pc:sldLayoutChg chg="modSp mod">
-          <pc:chgData name="Ветров Константин" userId="7d75ebfba114dc48" providerId="Windows Live" clId="Web-{538CB37B-60CD-4944-ADA1-2547A71FA8DE}" dt="2023-03-29T20:15:33.743" v="36"/>
-          <pc:sldLayoutMkLst>
-            <pc:docMk/>
-            <pc:sldMasterMk cId="0" sldId="2147483684"/>
-            <pc:sldLayoutMk cId="0" sldId="2147483692"/>
-          </pc:sldLayoutMkLst>
-          <pc:spChg chg="mod">
-            <ac:chgData name="Ветров Константин" userId="7d75ebfba114dc48" providerId="Windows Live" clId="Web-{538CB37B-60CD-4944-ADA1-2547A71FA8DE}" dt="2023-03-29T20:15:33.743" v="36"/>
-            <ac:spMkLst>
-              <pc:docMk/>
-              <pc:sldMasterMk cId="0" sldId="2147483684"/>
-              <pc:sldLayoutMk cId="0" sldId="2147483692"/>
-              <ac:spMk id="2" creationId="{00000000-0000-0000-0000-000000000000}"/>
-            </ac:spMkLst>
-          </pc:spChg>
-          <pc:spChg chg="mod">
-            <ac:chgData name="Ветров Константин" userId="7d75ebfba114dc48" providerId="Windows Live" clId="Web-{538CB37B-60CD-4944-ADA1-2547A71FA8DE}" dt="2023-03-29T20:15:33.743" v="36"/>
-            <ac:spMkLst>
-              <pc:docMk/>
-              <pc:sldMasterMk cId="0" sldId="2147483684"/>
-              <pc:sldLayoutMk cId="0" sldId="2147483692"/>
-              <ac:spMk id="3" creationId="{00000000-0000-0000-0000-000000000000}"/>
-            </ac:spMkLst>
-          </pc:spChg>
-          <pc:spChg chg="mod">
-            <ac:chgData name="Ветров Константин" userId="7d75ebfba114dc48" providerId="Windows Live" clId="Web-{538CB37B-60CD-4944-ADA1-2547A71FA8DE}" dt="2023-03-29T20:15:33.743" v="36"/>
-            <ac:spMkLst>
-              <pc:docMk/>
-              <pc:sldMasterMk cId="0" sldId="2147483684"/>
-              <pc:sldLayoutMk cId="0" sldId="2147483692"/>
-              <ac:spMk id="4" creationId="{00000000-0000-0000-0000-000000000000}"/>
-            </ac:spMkLst>
-          </pc:spChg>
-        </pc:sldLayoutChg>
-        <pc:sldLayoutChg chg="modSp mod">
-          <pc:chgData name="Ветров Константин" userId="7d75ebfba114dc48" providerId="Windows Live" clId="Web-{538CB37B-60CD-4944-ADA1-2547A71FA8DE}" dt="2023-03-29T20:15:33.743" v="36"/>
-          <pc:sldLayoutMkLst>
-            <pc:docMk/>
-            <pc:sldMasterMk cId="0" sldId="2147483684"/>
-            <pc:sldLayoutMk cId="0" sldId="2147483693"/>
-          </pc:sldLayoutMkLst>
-          <pc:spChg chg="mod">
-            <ac:chgData name="Ветров Константин" userId="7d75ebfba114dc48" providerId="Windows Live" clId="Web-{538CB37B-60CD-4944-ADA1-2547A71FA8DE}" dt="2023-03-29T20:15:33.743" v="36"/>
-            <ac:spMkLst>
-              <pc:docMk/>
-              <pc:sldMasterMk cId="0" sldId="2147483684"/>
-              <pc:sldLayoutMk cId="0" sldId="2147483693"/>
-              <ac:spMk id="2" creationId="{00000000-0000-0000-0000-000000000000}"/>
-            </ac:spMkLst>
-          </pc:spChg>
-          <pc:spChg chg="mod">
-            <ac:chgData name="Ветров Константин" userId="7d75ebfba114dc48" providerId="Windows Live" clId="Web-{538CB37B-60CD-4944-ADA1-2547A71FA8DE}" dt="2023-03-29T20:15:33.743" v="36"/>
-            <ac:spMkLst>
-              <pc:docMk/>
-              <pc:sldMasterMk cId="0" sldId="2147483684"/>
-              <pc:sldLayoutMk cId="0" sldId="2147483693"/>
-              <ac:spMk id="3" creationId="{00000000-0000-0000-0000-000000000000}"/>
-            </ac:spMkLst>
-          </pc:spChg>
-          <pc:spChg chg="mod">
-            <ac:chgData name="Ветров Константин" userId="7d75ebfba114dc48" providerId="Windows Live" clId="Web-{538CB37B-60CD-4944-ADA1-2547A71FA8DE}" dt="2023-03-29T20:15:33.743" v="36"/>
-            <ac:spMkLst>
-              <pc:docMk/>
-              <pc:sldMasterMk cId="0" sldId="2147483684"/>
-              <pc:sldLayoutMk cId="0" sldId="2147483693"/>
-              <ac:spMk id="4" creationId="{00000000-0000-0000-0000-000000000000}"/>
-            </ac:spMkLst>
-          </pc:spChg>
-        </pc:sldLayoutChg>
-        <pc:sldLayoutChg chg="mod">
-          <pc:chgData name="Ветров Константин" userId="7d75ebfba114dc48" providerId="Windows Live" clId="Web-{538CB37B-60CD-4944-ADA1-2547A71FA8DE}" dt="2023-03-29T20:09:16.437" v="19"/>
-          <pc:sldLayoutMkLst>
-            <pc:docMk/>
-            <pc:sldMasterMk cId="0" sldId="2147483684"/>
-            <pc:sldLayoutMk cId="0" sldId="2147483694"/>
-          </pc:sldLayoutMkLst>
-        </pc:sldLayoutChg>
-        <pc:sldLayoutChg chg="modSp mod">
-          <pc:chgData name="Ветров Константин" userId="7d75ebfba114dc48" providerId="Windows Live" clId="Web-{538CB37B-60CD-4944-ADA1-2547A71FA8DE}" dt="2023-03-29T20:15:33.743" v="36"/>
-          <pc:sldLayoutMkLst>
-            <pc:docMk/>
-            <pc:sldMasterMk cId="0" sldId="2147483684"/>
-            <pc:sldLayoutMk cId="0" sldId="2147483695"/>
-          </pc:sldLayoutMkLst>
-          <pc:spChg chg="mod">
-            <ac:chgData name="Ветров Константин" userId="7d75ebfba114dc48" providerId="Windows Live" clId="Web-{538CB37B-60CD-4944-ADA1-2547A71FA8DE}" dt="2023-03-29T20:15:33.743" v="36"/>
-            <ac:spMkLst>
-              <pc:docMk/>
-              <pc:sldMasterMk cId="0" sldId="2147483684"/>
-              <pc:sldLayoutMk cId="0" sldId="2147483695"/>
-              <ac:spMk id="2" creationId="{00000000-0000-0000-0000-000000000000}"/>
-            </ac:spMkLst>
-          </pc:spChg>
-          <pc:spChg chg="mod">
-            <ac:chgData name="Ветров Константин" userId="7d75ebfba114dc48" providerId="Windows Live" clId="Web-{538CB37B-60CD-4944-ADA1-2547A71FA8DE}" dt="2023-03-29T20:15:33.743" v="36"/>
-            <ac:spMkLst>
-              <pc:docMk/>
-              <pc:sldMasterMk cId="0" sldId="2147483684"/>
-              <pc:sldLayoutMk cId="0" sldId="2147483695"/>
-              <ac:spMk id="3" creationId="{00000000-0000-0000-0000-000000000000}"/>
-            </ac:spMkLst>
-          </pc:spChg>
-        </pc:sldLayoutChg>
-      </pc:sldMasterChg>
-    </pc:docChg>
-  </pc:docChgLst>
-  <pc:docChgLst>
-    <pc:chgData name="Ветров Константин" userId="7d75ebfba114dc48" providerId="Windows Live" clId="Web-{1B3DA76B-E307-4BBE-8F8A-623015B1A73C}"/>
-    <pc:docChg chg="modSld">
-      <pc:chgData name="Ветров Константин" userId="7d75ebfba114dc48" providerId="Windows Live" clId="Web-{1B3DA76B-E307-4BBE-8F8A-623015B1A73C}" dt="2023-03-31T16:38:15.045" v="52" actId="20577"/>
-      <pc:docMkLst>
-        <pc:docMk/>
-      </pc:docMkLst>
-      <pc:sldChg chg="modSp">
-        <pc:chgData name="Ветров Константин" userId="7d75ebfba114dc48" providerId="Windows Live" clId="Web-{1B3DA76B-E307-4BBE-8F8A-623015B1A73C}" dt="2023-03-31T16:13:15.820" v="10" actId="14100"/>
-        <pc:sldMkLst>
-          <pc:docMk/>
-          <pc:sldMk cId="2305641963" sldId="257"/>
-        </pc:sldMkLst>
-        <pc:spChg chg="mod">
-          <ac:chgData name="Ветров Константин" userId="7d75ebfba114dc48" providerId="Windows Live" clId="Web-{1B3DA76B-E307-4BBE-8F8A-623015B1A73C}" dt="2023-03-31T16:13:15.820" v="10" actId="14100"/>
-          <ac:spMkLst>
-            <pc:docMk/>
-            <pc:sldMk cId="2305641963" sldId="257"/>
-            <ac:spMk id="3" creationId="{00000000-0000-0000-0000-000000000000}"/>
-          </ac:spMkLst>
-        </pc:spChg>
-      </pc:sldChg>
-      <pc:sldChg chg="modSp">
-        <pc:chgData name="Ветров Константин" userId="7d75ebfba114dc48" providerId="Windows Live" clId="Web-{1B3DA76B-E307-4BBE-8F8A-623015B1A73C}" dt="2023-03-31T16:15:51.013" v="39" actId="20577"/>
-        <pc:sldMkLst>
-          <pc:docMk/>
-          <pc:sldMk cId="371527633" sldId="258"/>
-        </pc:sldMkLst>
-        <pc:spChg chg="mod">
-          <ac:chgData name="Ветров Константин" userId="7d75ebfba114dc48" providerId="Windows Live" clId="Web-{1B3DA76B-E307-4BBE-8F8A-623015B1A73C}" dt="2023-03-31T16:15:51.013" v="39" actId="20577"/>
-          <ac:spMkLst>
-            <pc:docMk/>
-            <pc:sldMk cId="371527633" sldId="258"/>
-            <ac:spMk id="3" creationId="{00000000-0000-0000-0000-000000000000}"/>
-          </ac:spMkLst>
-        </pc:spChg>
-      </pc:sldChg>
-      <pc:sldChg chg="modSp">
-        <pc:chgData name="Ветров Константин" userId="7d75ebfba114dc48" providerId="Windows Live" clId="Web-{1B3DA76B-E307-4BBE-8F8A-623015B1A73C}" dt="2023-03-31T16:16:33.405" v="50" actId="20577"/>
-        <pc:sldMkLst>
-          <pc:docMk/>
-          <pc:sldMk cId="1010382507" sldId="259"/>
-        </pc:sldMkLst>
-        <pc:spChg chg="mod">
-          <ac:chgData name="Ветров Константин" userId="7d75ebfba114dc48" providerId="Windows Live" clId="Web-{1B3DA76B-E307-4BBE-8F8A-623015B1A73C}" dt="2023-03-31T16:16:33.405" v="50" actId="20577"/>
-          <ac:spMkLst>
-            <pc:docMk/>
-            <pc:sldMk cId="1010382507" sldId="259"/>
-            <ac:spMk id="2" creationId="{00000000-0000-0000-0000-000000000000}"/>
-          </ac:spMkLst>
-        </pc:spChg>
-      </pc:sldChg>
-      <pc:sldChg chg="modSp">
-        <pc:chgData name="Ветров Константин" userId="7d75ebfba114dc48" providerId="Windows Live" clId="Web-{1B3DA76B-E307-4BBE-8F8A-623015B1A73C}" dt="2023-03-31T16:38:10.857" v="51" actId="20577"/>
-        <pc:sldMkLst>
-          <pc:docMk/>
-          <pc:sldMk cId="2910187697" sldId="271"/>
-        </pc:sldMkLst>
-        <pc:spChg chg="mod">
-          <ac:chgData name="Ветров Константин" userId="7d75ebfba114dc48" providerId="Windows Live" clId="Web-{1B3DA76B-E307-4BBE-8F8A-623015B1A73C}" dt="2023-03-31T16:38:10.857" v="51" actId="20577"/>
-          <ac:spMkLst>
-            <pc:docMk/>
-            <pc:sldMk cId="2910187697" sldId="271"/>
-            <ac:spMk id="2" creationId="{00000000-0000-0000-0000-000000000000}"/>
-          </ac:spMkLst>
-        </pc:spChg>
-      </pc:sldChg>
-      <pc:sldChg chg="modSp">
-        <pc:chgData name="Ветров Константин" userId="7d75ebfba114dc48" providerId="Windows Live" clId="Web-{1B3DA76B-E307-4BBE-8F8A-623015B1A73C}" dt="2023-03-31T16:38:15.045" v="52" actId="20577"/>
-        <pc:sldMkLst>
-          <pc:docMk/>
-          <pc:sldMk cId="2134219608" sldId="273"/>
-        </pc:sldMkLst>
-        <pc:spChg chg="mod">
-          <ac:chgData name="Ветров Константин" userId="7d75ebfba114dc48" providerId="Windows Live" clId="Web-{1B3DA76B-E307-4BBE-8F8A-623015B1A73C}" dt="2023-03-31T16:38:15.045" v="52" actId="20577"/>
-          <ac:spMkLst>
-            <pc:docMk/>
-            <pc:sldMk cId="2134219608" sldId="273"/>
-            <ac:spMk id="2" creationId="{00000000-0000-0000-0000-000000000000}"/>
-          </ac:spMkLst>
-        </pc:spChg>
-      </pc:sldChg>
-    </pc:docChg>
-  </pc:docChgLst>
-  <pc:docChgLst>
-    <pc:chgData name="Ветров Константин" userId="7d75ebfba114dc48" providerId="Windows Live" clId="Web-{3E747A4C-7EC8-4533-8BF9-4D89E7E160D5}"/>
-    <pc:docChg chg="modSld">
-      <pc:chgData name="Ветров Константин" userId="7d75ebfba114dc48" providerId="Windows Live" clId="Web-{3E747A4C-7EC8-4533-8BF9-4D89E7E160D5}" dt="2023-03-29T09:42:01.229" v="16" actId="20577"/>
-      <pc:docMkLst>
-        <pc:docMk/>
-      </pc:docMkLst>
-      <pc:sldChg chg="modSp">
-        <pc:chgData name="Ветров Константин" userId="7d75ebfba114dc48" providerId="Windows Live" clId="Web-{3E747A4C-7EC8-4533-8BF9-4D89E7E160D5}" dt="2023-03-29T09:41:46.057" v="8" actId="20577"/>
-        <pc:sldMkLst>
-          <pc:docMk/>
-          <pc:sldMk cId="2001060690" sldId="256"/>
-        </pc:sldMkLst>
-        <pc:spChg chg="mod">
-          <ac:chgData name="Ветров Константин" userId="7d75ebfba114dc48" providerId="Windows Live" clId="Web-{3E747A4C-7EC8-4533-8BF9-4D89E7E160D5}" dt="2023-03-29T09:41:46.057" v="8" actId="20577"/>
-          <ac:spMkLst>
-            <pc:docMk/>
-            <pc:sldMk cId="2001060690" sldId="256"/>
-            <ac:spMk id="3" creationId="{00000000-0000-0000-0000-000000000000}"/>
-          </ac:spMkLst>
-        </pc:spChg>
-      </pc:sldChg>
-      <pc:sldChg chg="modSp">
-        <pc:chgData name="Ветров Константин" userId="7d75ebfba114dc48" providerId="Windows Live" clId="Web-{3E747A4C-7EC8-4533-8BF9-4D89E7E160D5}" dt="2023-03-29T09:42:01.229" v="16" actId="20577"/>
-        <pc:sldMkLst>
-          <pc:docMk/>
-          <pc:sldMk cId="1848768194" sldId="274"/>
-        </pc:sldMkLst>
-        <pc:spChg chg="mod">
-          <ac:chgData name="Ветров Константин" userId="7d75ebfba114dc48" providerId="Windows Live" clId="Web-{3E747A4C-7EC8-4533-8BF9-4D89E7E160D5}" dt="2023-03-29T09:42:01.229" v="16" actId="20577"/>
-          <ac:spMkLst>
-            <pc:docMk/>
-            <pc:sldMk cId="1848768194" sldId="274"/>
-            <ac:spMk id="4" creationId="{D286B843-E720-45CB-AF7D-47AFC27608EF}"/>
-          </ac:spMkLst>
-        </pc:spChg>
-      </pc:sldChg>
-    </pc:docChg>
-  </pc:docChgLst>
-</pc:chgInfo>
 </file>
 
 <file path=ppt/notesMasters/notesMaster1.xml><?xml version="1.0" encoding="utf-8"?>
@@ -1513,7 +238,7 @@
           <a:p>
             <a:fld id="{DDB4DA2B-8E4A-49F8-A1A2-84A0E2699641}" type="datetimeFigureOut">
               <a:rPr lang="ru-RU" smtClean="0"/>
-              <a:t>10.09.2023</a:t>
+              <a:t>13.09.2023</a:t>
             </a:fld>
             <a:endParaRPr lang="ru-RU"/>
           </a:p>
@@ -2438,7 +1163,7 @@
           <a:p>
             <a:fld id="{1F1F2F9B-F079-4CD7-9737-AE1476F724A5}" type="datetime1">
               <a:rPr lang="ru-RU" smtClean="0"/>
-              <a:t>10.09.2023</a:t>
+              <a:t>13.09.2023</a:t>
             </a:fld>
             <a:endParaRPr lang="ru-RU"/>
           </a:p>
@@ -2621,7 +1346,7 @@
           <a:p>
             <a:fld id="{BB500A0C-5479-455E-A141-A6CE40C863B6}" type="datetime1">
               <a:rPr lang="ru-RU" smtClean="0"/>
-              <a:t>10.09.2023</a:t>
+              <a:t>13.09.2023</a:t>
             </a:fld>
             <a:endParaRPr lang="ru-RU"/>
           </a:p>
@@ -2796,7 +1521,7 @@
           <a:p>
             <a:fld id="{3ED9C642-E990-4149-A24F-3866D1ADFB8F}" type="datetime1">
               <a:rPr lang="ru-RU" smtClean="0"/>
-              <a:t>10.09.2023</a:t>
+              <a:t>13.09.2023</a:t>
             </a:fld>
             <a:endParaRPr lang="ru-RU"/>
           </a:p>
@@ -2961,7 +1686,7 @@
           <a:p>
             <a:fld id="{52CFDCD1-262C-4B7E-91E1-5CF450F0034A}" type="datetime1">
               <a:rPr lang="ru-RU" smtClean="0"/>
-              <a:t>10.09.2023</a:t>
+              <a:t>13.09.2023</a:t>
             </a:fld>
             <a:endParaRPr lang="ru-RU"/>
           </a:p>
@@ -3192,7 +1917,7 @@
           <a:p>
             <a:fld id="{73E0E69F-A490-4B2B-A856-CC93B5AA3514}" type="datetime1">
               <a:rPr lang="ru-RU" smtClean="0"/>
-              <a:t>10.09.2023</a:t>
+              <a:t>13.09.2023</a:t>
             </a:fld>
             <a:endParaRPr lang="ru-RU"/>
           </a:p>
@@ -3465,7 +2190,7 @@
           <a:p>
             <a:fld id="{44606B3B-04A3-4FEB-8DB3-BAEA50EA5CA2}" type="datetime1">
               <a:rPr lang="ru-RU" smtClean="0"/>
-              <a:t>10.09.2023</a:t>
+              <a:t>13.09.2023</a:t>
             </a:fld>
             <a:endParaRPr lang="ru-RU"/>
           </a:p>
@@ -3869,7 +2594,7 @@
           <a:p>
             <a:fld id="{327671D0-EFD6-4B35-913B-3271D76FA609}" type="datetime1">
               <a:rPr lang="ru-RU" smtClean="0"/>
-              <a:t>10.09.2023</a:t>
+              <a:t>13.09.2023</a:t>
             </a:fld>
             <a:endParaRPr lang="ru-RU"/>
           </a:p>
@@ -4000,7 +2725,7 @@
           <a:p>
             <a:fld id="{0998CECA-3571-4591-859E-6D048A571B27}" type="datetime1">
               <a:rPr lang="ru-RU" smtClean="0"/>
-              <a:t>10.09.2023</a:t>
+              <a:t>13.09.2023</a:t>
             </a:fld>
             <a:endParaRPr lang="ru-RU"/>
           </a:p>
@@ -4100,7 +2825,7 @@
           <a:p>
             <a:fld id="{9F61AEC3-FD52-43FC-A389-E0B6E6D7A02C}" type="datetime1">
               <a:rPr lang="ru-RU" smtClean="0"/>
-              <a:t>10.09.2023</a:t>
+              <a:t>13.09.2023</a:t>
             </a:fld>
             <a:endParaRPr lang="ru-RU"/>
           </a:p>
@@ -4345,7 +3070,7 @@
           <a:p>
             <a:fld id="{FD1C8076-6BD9-4970-AAD7-D43D085EE036}" type="datetime1">
               <a:rPr lang="ru-RU" smtClean="0"/>
-              <a:t>10.09.2023</a:t>
+              <a:t>13.09.2023</a:t>
             </a:fld>
             <a:endParaRPr lang="ru-RU"/>
           </a:p>
@@ -4589,7 +3314,7 @@
           <a:p>
             <a:fld id="{39FCA241-C7AA-4EB6-AC7C-A61E617835A6}" type="datetime1">
               <a:rPr lang="ru-RU" smtClean="0"/>
-              <a:t>10.09.2023</a:t>
+              <a:t>13.09.2023</a:t>
             </a:fld>
             <a:endParaRPr lang="ru-RU"/>
           </a:p>
@@ -5413,7 +4138,7 @@
           <a:p>
             <a:fld id="{1C911155-4FE3-4926-B905-4B741304A8CD}" type="datetime1">
               <a:rPr lang="ru-RU" smtClean="0"/>
-              <a:t>10.09.2023</a:t>
+              <a:t>13.09.2023</a:t>
             </a:fld>
             <a:endParaRPr lang="ru-RU"/>
           </a:p>
@@ -6163,6 +4888,268 @@
         </p:nvSpPr>
         <p:spPr>
           <a:xfrm>
+            <a:off x="1991544" y="620688"/>
+            <a:ext cx="8229600" cy="1143000"/>
+          </a:xfrm>
+        </p:spPr>
+        <p:txBody>
+          <a:bodyPr>
+            <a:normAutofit/>
+          </a:bodyPr>
+          <a:lstStyle/>
+          <a:p>
+            <a:pPr algn="ctr"/>
+            <a:r>
+              <a:rPr lang="ru-RU" dirty="0"/>
+              <a:t>Серверная часть</a:t>
+            </a:r>
+          </a:p>
+        </p:txBody>
+      </p:sp>
+      <p:sp>
+        <p:nvSpPr>
+          <p:cNvPr id="3" name="Номер слайда 2">
+            <a:extLst>
+              <a:ext uri="{FF2B5EF4-FFF2-40B4-BE49-F238E27FC236}">
+                <a16:creationId xmlns:a16="http://schemas.microsoft.com/office/drawing/2014/main" id="{95DB3792-F159-B601-0864-D6372E9125D1}"/>
+              </a:ext>
+            </a:extLst>
+          </p:cNvPr>
+          <p:cNvSpPr>
+            <a:spLocks noGrp="1"/>
+          </p:cNvSpPr>
+          <p:nvPr>
+            <p:ph type="sldNum" sz="quarter" idx="12"/>
+          </p:nvPr>
+        </p:nvSpPr>
+        <p:spPr/>
+        <p:txBody>
+          <a:bodyPr/>
+          <a:lstStyle/>
+          <a:p>
+            <a:fld id="{CAAC2966-0B80-4097-9F79-F8DF80041286}" type="slidenum">
+              <a:rPr lang="ru-RU" smtClean="0"/>
+              <a:t>10</a:t>
+            </a:fld>
+            <a:endParaRPr lang="ru-RU"/>
+          </a:p>
+        </p:txBody>
+      </p:sp>
+      <p:pic>
+        <p:nvPicPr>
+          <p:cNvPr id="1026" name="Picture 2" descr="https://pluspng.com/img-png/python-logo-png-python-logo-png-and-vector-logo-img-4096x4553.png">
+            <a:extLst>
+              <a:ext uri="{FF2B5EF4-FFF2-40B4-BE49-F238E27FC236}">
+                <a16:creationId xmlns:a16="http://schemas.microsoft.com/office/drawing/2014/main" id="{5DA94C08-8D5F-40C3-9F78-7EDCB46163D8}"/>
+              </a:ext>
+            </a:extLst>
+          </p:cNvPr>
+          <p:cNvPicPr>
+            <a:picLocks noChangeAspect="1" noChangeArrowheads="1"/>
+          </p:cNvPicPr>
+          <p:nvPr/>
+        </p:nvPicPr>
+        <p:blipFill>
+          <a:blip r:embed="rId2" cstate="print">
+            <a:extLst>
+              <a:ext uri="{28A0092B-C50C-407E-A947-70E740481C1C}">
+                <a14:useLocalDpi xmlns:a14="http://schemas.microsoft.com/office/drawing/2010/main" val="0"/>
+              </a:ext>
+            </a:extLst>
+          </a:blip>
+          <a:srcRect/>
+          <a:stretch>
+            <a:fillRect/>
+          </a:stretch>
+        </p:blipFill>
+        <p:spPr bwMode="auto">
+          <a:xfrm>
+            <a:off x="3165435" y="1653826"/>
+            <a:ext cx="1965264" cy="2189375"/>
+          </a:xfrm>
+          <a:prstGeom prst="rect">
+            <a:avLst/>
+          </a:prstGeom>
+          <a:noFill/>
+          <a:extLst>
+            <a:ext uri="{909E8E84-426E-40DD-AFC4-6F175D3DCCD1}">
+              <a14:hiddenFill xmlns:a14="http://schemas.microsoft.com/office/drawing/2010/main">
+                <a:solidFill>
+                  <a:srgbClr val="FFFFFF"/>
+                </a:solidFill>
+              </a14:hiddenFill>
+            </a:ext>
+          </a:extLst>
+        </p:spPr>
+      </p:pic>
+      <p:pic>
+        <p:nvPicPr>
+          <p:cNvPr id="1028" name="Picture 4" descr="https://office-guru.ru/wp-content/uploads/2021/11/python_django.png">
+            <a:extLst>
+              <a:ext uri="{FF2B5EF4-FFF2-40B4-BE49-F238E27FC236}">
+                <a16:creationId xmlns:a16="http://schemas.microsoft.com/office/drawing/2014/main" id="{9D59C7CF-4DA5-4AB3-854D-C66385AE9846}"/>
+              </a:ext>
+            </a:extLst>
+          </p:cNvPr>
+          <p:cNvPicPr>
+            <a:picLocks noGrp="1" noChangeAspect="1" noChangeArrowheads="1"/>
+          </p:cNvPicPr>
+          <p:nvPr>
+            <p:ph idx="1"/>
+          </p:nvPr>
+        </p:nvPicPr>
+        <p:blipFill>
+          <a:blip r:embed="rId3" cstate="print">
+            <a:extLst>
+              <a:ext uri="{28A0092B-C50C-407E-A947-70E740481C1C}">
+                <a14:useLocalDpi xmlns:a14="http://schemas.microsoft.com/office/drawing/2010/main" val="0"/>
+              </a:ext>
+            </a:extLst>
+          </a:blip>
+          <a:srcRect/>
+          <a:stretch>
+            <a:fillRect/>
+          </a:stretch>
+        </p:blipFill>
+        <p:spPr bwMode="auto">
+          <a:xfrm>
+            <a:off x="7243291" y="1636250"/>
+            <a:ext cx="2210189" cy="2210189"/>
+          </a:xfrm>
+          <a:prstGeom prst="rect">
+            <a:avLst/>
+          </a:prstGeom>
+          <a:noFill/>
+          <a:extLst>
+            <a:ext uri="{909E8E84-426E-40DD-AFC4-6F175D3DCCD1}">
+              <a14:hiddenFill xmlns:a14="http://schemas.microsoft.com/office/drawing/2010/main">
+                <a:solidFill>
+                  <a:srgbClr val="FFFFFF"/>
+                </a:solidFill>
+              </a14:hiddenFill>
+            </a:ext>
+          </a:extLst>
+        </p:spPr>
+      </p:pic>
+      <p:pic>
+        <p:nvPicPr>
+          <p:cNvPr id="1030" name="Picture 6" descr="https://upload.wikimedia.org/wikipedia/commons/thumb/3/38/SQLite370.svg/1920px-SQLite370.svg.png">
+            <a:extLst>
+              <a:ext uri="{FF2B5EF4-FFF2-40B4-BE49-F238E27FC236}">
+                <a16:creationId xmlns:a16="http://schemas.microsoft.com/office/drawing/2014/main" id="{4F5F4F37-FA2E-4FCA-A0FE-02220B134357}"/>
+              </a:ext>
+            </a:extLst>
+          </p:cNvPr>
+          <p:cNvPicPr>
+            <a:picLocks noChangeAspect="1" noChangeArrowheads="1"/>
+          </p:cNvPicPr>
+          <p:nvPr/>
+        </p:nvPicPr>
+        <p:blipFill>
+          <a:blip r:embed="rId4" cstate="print">
+            <a:extLst>
+              <a:ext uri="{28A0092B-C50C-407E-A947-70E740481C1C}">
+                <a14:useLocalDpi xmlns:a14="http://schemas.microsoft.com/office/drawing/2010/main" val="0"/>
+              </a:ext>
+            </a:extLst>
+          </a:blip>
+          <a:srcRect/>
+          <a:stretch>
+            <a:fillRect/>
+          </a:stretch>
+        </p:blipFill>
+        <p:spPr bwMode="auto">
+          <a:xfrm>
+            <a:off x="1848486" y="4343775"/>
+            <a:ext cx="4191202" cy="1985063"/>
+          </a:xfrm>
+          <a:prstGeom prst="rect">
+            <a:avLst/>
+          </a:prstGeom>
+          <a:noFill/>
+          <a:extLst>
+            <a:ext uri="{909E8E84-426E-40DD-AFC4-6F175D3DCCD1}">
+              <a14:hiddenFill xmlns:a14="http://schemas.microsoft.com/office/drawing/2010/main">
+                <a:solidFill>
+                  <a:srgbClr val="FFFFFF"/>
+                </a:solidFill>
+              </a14:hiddenFill>
+            </a:ext>
+          </a:extLst>
+        </p:spPr>
+      </p:pic>
+      <p:pic>
+        <p:nvPicPr>
+          <p:cNvPr id="5" name="Рисунок 4" descr="Изображение выглядит как текст, Шрифт, Графика, логотип&#10;&#10;Автоматически созданное описание">
+            <a:extLst>
+              <a:ext uri="{FF2B5EF4-FFF2-40B4-BE49-F238E27FC236}">
+                <a16:creationId xmlns:a16="http://schemas.microsoft.com/office/drawing/2014/main" id="{32664736-43E1-BFD7-E923-E8E97BAE3D34}"/>
+              </a:ext>
+            </a:extLst>
+          </p:cNvPr>
+          <p:cNvPicPr>
+            <a:picLocks noChangeAspect="1"/>
+          </p:cNvPicPr>
+          <p:nvPr/>
+        </p:nvPicPr>
+        <p:blipFill>
+          <a:blip r:embed="rId5"/>
+          <a:stretch>
+            <a:fillRect/>
+          </a:stretch>
+        </p:blipFill>
+        <p:spPr>
+          <a:xfrm>
+            <a:off x="6871856" y="3898075"/>
+            <a:ext cx="2871849" cy="2891641"/>
+          </a:xfrm>
+          <a:prstGeom prst="rect">
+            <a:avLst/>
+          </a:prstGeom>
+        </p:spPr>
+      </p:pic>
+    </p:spTree>
+    <p:extLst>
+      <p:ext uri="{BB962C8B-B14F-4D97-AF65-F5344CB8AC3E}">
+        <p14:creationId xmlns:p14="http://schemas.microsoft.com/office/powerpoint/2010/main" val="195499609"/>
+      </p:ext>
+    </p:extLst>
+  </p:cSld>
+  <p:clrMapOvr>
+    <a:masterClrMapping/>
+  </p:clrMapOvr>
+</p:sld>
+</file>
+
+<file path=ppt/slides/slide11.xml><?xml version="1.0" encoding="utf-8"?>
+<p:sld xmlns:a="http://schemas.openxmlformats.org/drawingml/2006/main" xmlns:r="http://schemas.openxmlformats.org/officeDocument/2006/relationships" xmlns:p="http://schemas.openxmlformats.org/presentationml/2006/main">
+  <p:cSld>
+    <p:spTree>
+      <p:nvGrpSpPr>
+        <p:cNvPr id="1" name=""/>
+        <p:cNvGrpSpPr/>
+        <p:nvPr/>
+      </p:nvGrpSpPr>
+      <p:grpSpPr>
+        <a:xfrm>
+          <a:off x="0" y="0"/>
+          <a:ext cx="0" cy="0"/>
+          <a:chOff x="0" y="0"/>
+          <a:chExt cx="0" cy="0"/>
+        </a:xfrm>
+      </p:grpSpPr>
+      <p:sp>
+        <p:nvSpPr>
+          <p:cNvPr id="2" name="Заголовок 1"/>
+          <p:cNvSpPr>
+            <a:spLocks noGrp="1"/>
+          </p:cNvSpPr>
+          <p:nvPr>
+            <p:ph type="title"/>
+          </p:nvPr>
+        </p:nvSpPr>
+        <p:spPr>
+          <a:xfrm>
             <a:off x="609600" y="843987"/>
             <a:ext cx="10972800" cy="1066800"/>
           </a:xfrm>
@@ -6202,7 +5189,7 @@
           <a:p>
             <a:fld id="{CAAC2966-0B80-4097-9F79-F8DF80041286}" type="slidenum">
               <a:rPr lang="ru-RU" smtClean="0"/>
-              <a:t>10</a:t>
+              <a:t>11</a:t>
             </a:fld>
             <a:endParaRPr lang="ru-RU"/>
           </a:p>
@@ -6268,128 +5255,6 @@
 </p:sld>
 </file>
 
-<file path=ppt/slides/slide11.xml><?xml version="1.0" encoding="utf-8"?>
-<p:sld xmlns:a="http://schemas.openxmlformats.org/drawingml/2006/main" xmlns:r="http://schemas.openxmlformats.org/officeDocument/2006/relationships" xmlns:p="http://schemas.openxmlformats.org/presentationml/2006/main">
-  <p:cSld>
-    <p:spTree>
-      <p:nvGrpSpPr>
-        <p:cNvPr id="1" name=""/>
-        <p:cNvGrpSpPr/>
-        <p:nvPr/>
-      </p:nvGrpSpPr>
-      <p:grpSpPr>
-        <a:xfrm>
-          <a:off x="0" y="0"/>
-          <a:ext cx="0" cy="0"/>
-          <a:chOff x="0" y="0"/>
-          <a:chExt cx="0" cy="0"/>
-        </a:xfrm>
-      </p:grpSpPr>
-      <p:sp>
-        <p:nvSpPr>
-          <p:cNvPr id="2" name="Заголовок 1"/>
-          <p:cNvSpPr>
-            <a:spLocks noGrp="1"/>
-          </p:cNvSpPr>
-          <p:nvPr>
-            <p:ph type="title"/>
-          </p:nvPr>
-        </p:nvSpPr>
-        <p:spPr>
-          <a:xfrm>
-            <a:off x="609600" y="786114"/>
-            <a:ext cx="10972800" cy="1066800"/>
-          </a:xfrm>
-        </p:spPr>
-        <p:txBody>
-          <a:bodyPr vert="horz" lIns="91440" tIns="45720" rIns="91440" bIns="45720" anchor="ctr">
-            <a:normAutofit/>
-          </a:bodyPr>
-          <a:lstStyle/>
-          <a:p>
-            <a:pPr algn="ctr"/>
-            <a:r>
-              <a:rPr lang="ru-RU" dirty="0">
-                <a:ea typeface="+mj-lt"/>
-                <a:cs typeface="+mj-lt"/>
-              </a:rPr>
-              <a:t>Навигационная панель</a:t>
-            </a:r>
-          </a:p>
-        </p:txBody>
-      </p:sp>
-      <p:sp>
-        <p:nvSpPr>
-          <p:cNvPr id="3" name="Номер слайда 2">
-            <a:extLst>
-              <a:ext uri="{FF2B5EF4-FFF2-40B4-BE49-F238E27FC236}">
-                <a16:creationId xmlns:a16="http://schemas.microsoft.com/office/drawing/2014/main" id="{7873B73C-21E0-AFF6-BB4E-AC2BB4866448}"/>
-              </a:ext>
-            </a:extLst>
-          </p:cNvPr>
-          <p:cNvSpPr>
-            <a:spLocks noGrp="1"/>
-          </p:cNvSpPr>
-          <p:nvPr>
-            <p:ph type="sldNum" sz="quarter" idx="12"/>
-          </p:nvPr>
-        </p:nvSpPr>
-        <p:spPr/>
-        <p:txBody>
-          <a:bodyPr/>
-          <a:lstStyle/>
-          <a:p>
-            <a:fld id="{CAAC2966-0B80-4097-9F79-F8DF80041286}" type="slidenum">
-              <a:rPr lang="ru-RU" smtClean="0"/>
-              <a:t>11</a:t>
-            </a:fld>
-            <a:endParaRPr lang="ru-RU"/>
-          </a:p>
-        </p:txBody>
-      </p:sp>
-      <p:pic>
-        <p:nvPicPr>
-          <p:cNvPr id="10" name="Рисунок 9">
-            <a:extLst>
-              <a:ext uri="{FF2B5EF4-FFF2-40B4-BE49-F238E27FC236}">
-                <a16:creationId xmlns:a16="http://schemas.microsoft.com/office/drawing/2014/main" id="{1A7E6BD3-8E7D-40C8-B2A4-915499F26149}"/>
-              </a:ext>
-            </a:extLst>
-          </p:cNvPr>
-          <p:cNvPicPr>
-            <a:picLocks noChangeAspect="1"/>
-          </p:cNvPicPr>
-          <p:nvPr/>
-        </p:nvPicPr>
-        <p:blipFill>
-          <a:blip r:embed="rId2"/>
-          <a:stretch>
-            <a:fillRect/>
-          </a:stretch>
-        </p:blipFill>
-        <p:spPr>
-          <a:xfrm>
-            <a:off x="365464" y="3039767"/>
-            <a:ext cx="11461072" cy="1366845"/>
-          </a:xfrm>
-          <a:prstGeom prst="rect">
-            <a:avLst/>
-          </a:prstGeom>
-        </p:spPr>
-      </p:pic>
-    </p:spTree>
-    <p:extLst>
-      <p:ext uri="{BB962C8B-B14F-4D97-AF65-F5344CB8AC3E}">
-        <p14:creationId xmlns:p14="http://schemas.microsoft.com/office/powerpoint/2010/main" val="3417618667"/>
-      </p:ext>
-    </p:extLst>
-  </p:cSld>
-  <p:clrMapOvr>
-    <a:masterClrMapping/>
-  </p:clrMapOvr>
-</p:sld>
-</file>
-
 <file path=ppt/slides/slide12.xml><?xml version="1.0" encoding="utf-8"?>
 <p:sld xmlns:a="http://schemas.openxmlformats.org/drawingml/2006/main" xmlns:r="http://schemas.openxmlformats.org/officeDocument/2006/relationships" xmlns:p="http://schemas.openxmlformats.org/presentationml/2006/main">
   <p:cSld>
@@ -6419,7 +5284,7 @@
         </p:nvSpPr>
         <p:spPr>
           <a:xfrm>
-            <a:off x="609600" y="379429"/>
+            <a:off x="609600" y="843987"/>
             <a:ext cx="10972800" cy="1066800"/>
           </a:xfrm>
         </p:spPr>
@@ -6431,11 +5296,8 @@
           <a:p>
             <a:pPr algn="ctr"/>
             <a:r>
-              <a:rPr lang="ru-RU" dirty="0">
-                <a:ea typeface="+mj-lt"/>
-                <a:cs typeface="+mj-lt"/>
-              </a:rPr>
-              <a:t>Главная страница</a:t>
+              <a:rPr lang="ru-RU" dirty="0"/>
+              <a:t>Развёртка</a:t>
             </a:r>
           </a:p>
         </p:txBody>
@@ -6445,7 +5307,7 @@
           <p:cNvPr id="3" name="Номер слайда 2">
             <a:extLst>
               <a:ext uri="{FF2B5EF4-FFF2-40B4-BE49-F238E27FC236}">
-                <a16:creationId xmlns:a16="http://schemas.microsoft.com/office/drawing/2014/main" id="{7873B73C-21E0-AFF6-BB4E-AC2BB4866448}"/>
+                <a16:creationId xmlns:a16="http://schemas.microsoft.com/office/drawing/2014/main" id="{59F6BBE8-0863-9B6A-27CB-81C795AAED24}"/>
               </a:ext>
             </a:extLst>
           </p:cNvPr>
@@ -6471,10 +5333,10 @@
       </p:sp>
       <p:pic>
         <p:nvPicPr>
-          <p:cNvPr id="4" name="Рисунок 3">
+          <p:cNvPr id="6" name="Рисунок 5" descr="Изображение выглядит как текст, Графика, Шрифт, графический дизайн&#10;&#10;Автоматически созданное описание">
             <a:extLst>
               <a:ext uri="{FF2B5EF4-FFF2-40B4-BE49-F238E27FC236}">
-                <a16:creationId xmlns:a16="http://schemas.microsoft.com/office/drawing/2014/main" id="{6683446C-0FDD-41D2-8D02-27FF15D79D8B}"/>
+                <a16:creationId xmlns:a16="http://schemas.microsoft.com/office/drawing/2014/main" id="{70315603-C467-5433-33B1-5DC8EEC098FA}"/>
               </a:ext>
             </a:extLst>
           </p:cNvPr>
@@ -6491,8 +5353,38 @@
         </p:blipFill>
         <p:spPr>
           <a:xfrm>
-            <a:off x="2200541" y="1333629"/>
-            <a:ext cx="7790917" cy="4923000"/>
+            <a:off x="1864426" y="2304907"/>
+            <a:ext cx="3079667" cy="2634132"/>
+          </a:xfrm>
+          <a:prstGeom prst="rect">
+            <a:avLst/>
+          </a:prstGeom>
+        </p:spPr>
+      </p:pic>
+      <p:pic>
+        <p:nvPicPr>
+          <p:cNvPr id="7" name="Рисунок 6" descr="Изображение выглядит как Графика, Шрифт, логотип, графический дизайн&#10;&#10;Автоматически созданное описание">
+            <a:extLst>
+              <a:ext uri="{FF2B5EF4-FFF2-40B4-BE49-F238E27FC236}">
+                <a16:creationId xmlns:a16="http://schemas.microsoft.com/office/drawing/2014/main" id="{F2ADD658-8B3A-3FD3-810B-75C887FCB1B3}"/>
+              </a:ext>
+            </a:extLst>
+          </p:cNvPr>
+          <p:cNvPicPr>
+            <a:picLocks noChangeAspect="1"/>
+          </p:cNvPicPr>
+          <p:nvPr/>
+        </p:nvPicPr>
+        <p:blipFill>
+          <a:blip r:embed="rId3"/>
+          <a:stretch>
+            <a:fillRect/>
+          </a:stretch>
+        </p:blipFill>
+        <p:spPr>
+          <a:xfrm>
+            <a:off x="6169231" y="2502724"/>
+            <a:ext cx="4277096" cy="2238498"/>
           </a:xfrm>
           <a:prstGeom prst="rect">
             <a:avLst/>
@@ -6502,7 +5394,7 @@
     </p:spTree>
     <p:extLst>
       <p:ext uri="{BB962C8B-B14F-4D97-AF65-F5344CB8AC3E}">
-        <p14:creationId xmlns:p14="http://schemas.microsoft.com/office/powerpoint/2010/main" val="3449132874"/>
+        <p14:creationId xmlns:p14="http://schemas.microsoft.com/office/powerpoint/2010/main" val="699361447"/>
       </p:ext>
     </p:extLst>
   </p:cSld>
@@ -6541,7 +5433,7 @@
         </p:nvSpPr>
         <p:spPr>
           <a:xfrm>
-            <a:off x="609600" y="500215"/>
+            <a:off x="609600" y="786114"/>
             <a:ext cx="10972800" cy="1066800"/>
           </a:xfrm>
         </p:spPr>
@@ -6557,7 +5449,7 @@
                 <a:ea typeface="+mj-lt"/>
                 <a:cs typeface="+mj-lt"/>
               </a:rPr>
-              <a:t>Главная страница</a:t>
+              <a:t>Навигационная панель</a:t>
             </a:r>
           </a:p>
         </p:txBody>
@@ -6593,10 +5485,10 @@
       </p:sp>
       <p:pic>
         <p:nvPicPr>
-          <p:cNvPr id="6" name="Рисунок 5">
+          <p:cNvPr id="10" name="Рисунок 9">
             <a:extLst>
               <a:ext uri="{FF2B5EF4-FFF2-40B4-BE49-F238E27FC236}">
-                <a16:creationId xmlns:a16="http://schemas.microsoft.com/office/drawing/2014/main" id="{40F4CC92-081F-4DED-90ED-CF5774B30442}"/>
+                <a16:creationId xmlns:a16="http://schemas.microsoft.com/office/drawing/2014/main" id="{1A7E6BD3-8E7D-40C8-B2A4-915499F26149}"/>
               </a:ext>
             </a:extLst>
           </p:cNvPr>
@@ -6613,8 +5505,8 @@
         </p:blipFill>
         <p:spPr>
           <a:xfrm>
-            <a:off x="2101546" y="1376344"/>
-            <a:ext cx="7988907" cy="4981441"/>
+            <a:off x="365464" y="3039767"/>
+            <a:ext cx="11461072" cy="1366845"/>
           </a:xfrm>
           <a:prstGeom prst="rect">
             <a:avLst/>
@@ -6624,7 +5516,7 @@
     </p:spTree>
     <p:extLst>
       <p:ext uri="{BB962C8B-B14F-4D97-AF65-F5344CB8AC3E}">
-        <p14:creationId xmlns:p14="http://schemas.microsoft.com/office/powerpoint/2010/main" val="2114930347"/>
+        <p14:creationId xmlns:p14="http://schemas.microsoft.com/office/powerpoint/2010/main" val="3417618667"/>
       </p:ext>
     </p:extLst>
   </p:cSld>
@@ -6663,7 +5555,7 @@
         </p:nvSpPr>
         <p:spPr>
           <a:xfrm>
-            <a:off x="609600" y="359985"/>
+            <a:off x="609600" y="379429"/>
             <a:ext cx="10972800" cy="1066800"/>
           </a:xfrm>
         </p:spPr>
@@ -6679,7 +5571,7 @@
                 <a:ea typeface="+mj-lt"/>
                 <a:cs typeface="+mj-lt"/>
               </a:rPr>
-              <a:t>Страница с информацией о сайте</a:t>
+              <a:t>Главная страница</a:t>
             </a:r>
           </a:p>
         </p:txBody>
@@ -6718,7 +5610,7 @@
           <p:cNvPr id="4" name="Рисунок 3">
             <a:extLst>
               <a:ext uri="{FF2B5EF4-FFF2-40B4-BE49-F238E27FC236}">
-                <a16:creationId xmlns:a16="http://schemas.microsoft.com/office/drawing/2014/main" id="{20E9189B-087D-448A-A63A-A4C617B8FD2D}"/>
+                <a16:creationId xmlns:a16="http://schemas.microsoft.com/office/drawing/2014/main" id="{6683446C-0FDD-41D2-8D02-27FF15D79D8B}"/>
               </a:ext>
             </a:extLst>
           </p:cNvPr>
@@ -6735,8 +5627,8 @@
         </p:blipFill>
         <p:spPr>
           <a:xfrm>
-            <a:off x="2080059" y="1426785"/>
-            <a:ext cx="8031882" cy="4916022"/>
+            <a:off x="2200541" y="1333629"/>
+            <a:ext cx="7790917" cy="4923000"/>
           </a:xfrm>
           <a:prstGeom prst="rect">
             <a:avLst/>
@@ -6746,7 +5638,7 @@
     </p:spTree>
     <p:extLst>
       <p:ext uri="{BB962C8B-B14F-4D97-AF65-F5344CB8AC3E}">
-        <p14:creationId xmlns:p14="http://schemas.microsoft.com/office/powerpoint/2010/main" val="3839676515"/>
+        <p14:creationId xmlns:p14="http://schemas.microsoft.com/office/powerpoint/2010/main" val="3449132874"/>
       </p:ext>
     </p:extLst>
   </p:cSld>
@@ -6785,7 +5677,7 @@
         </p:nvSpPr>
         <p:spPr>
           <a:xfrm>
-            <a:off x="609599" y="670705"/>
+            <a:off x="609600" y="500215"/>
             <a:ext cx="10972800" cy="1066800"/>
           </a:xfrm>
         </p:spPr>
@@ -6801,7 +5693,7 @@
                 <a:ea typeface="+mj-lt"/>
                 <a:cs typeface="+mj-lt"/>
               </a:rPr>
-              <a:t>Страница с историей</a:t>
+              <a:t>Главная страница</a:t>
             </a:r>
           </a:p>
         </p:txBody>
@@ -6830,6 +5722,250 @@
             <a:fld id="{CAAC2966-0B80-4097-9F79-F8DF80041286}" type="slidenum">
               <a:rPr lang="ru-RU" smtClean="0"/>
               <a:t>15</a:t>
+            </a:fld>
+            <a:endParaRPr lang="ru-RU"/>
+          </a:p>
+        </p:txBody>
+      </p:sp>
+      <p:pic>
+        <p:nvPicPr>
+          <p:cNvPr id="6" name="Рисунок 5">
+            <a:extLst>
+              <a:ext uri="{FF2B5EF4-FFF2-40B4-BE49-F238E27FC236}">
+                <a16:creationId xmlns:a16="http://schemas.microsoft.com/office/drawing/2014/main" id="{40F4CC92-081F-4DED-90ED-CF5774B30442}"/>
+              </a:ext>
+            </a:extLst>
+          </p:cNvPr>
+          <p:cNvPicPr>
+            <a:picLocks noChangeAspect="1"/>
+          </p:cNvPicPr>
+          <p:nvPr/>
+        </p:nvPicPr>
+        <p:blipFill>
+          <a:blip r:embed="rId2"/>
+          <a:stretch>
+            <a:fillRect/>
+          </a:stretch>
+        </p:blipFill>
+        <p:spPr>
+          <a:xfrm>
+            <a:off x="2101546" y="1376344"/>
+            <a:ext cx="7988907" cy="4981441"/>
+          </a:xfrm>
+          <a:prstGeom prst="rect">
+            <a:avLst/>
+          </a:prstGeom>
+        </p:spPr>
+      </p:pic>
+    </p:spTree>
+    <p:extLst>
+      <p:ext uri="{BB962C8B-B14F-4D97-AF65-F5344CB8AC3E}">
+        <p14:creationId xmlns:p14="http://schemas.microsoft.com/office/powerpoint/2010/main" val="2114930347"/>
+      </p:ext>
+    </p:extLst>
+  </p:cSld>
+  <p:clrMapOvr>
+    <a:masterClrMapping/>
+  </p:clrMapOvr>
+</p:sld>
+</file>
+
+<file path=ppt/slides/slide16.xml><?xml version="1.0" encoding="utf-8"?>
+<p:sld xmlns:a="http://schemas.openxmlformats.org/drawingml/2006/main" xmlns:r="http://schemas.openxmlformats.org/officeDocument/2006/relationships" xmlns:p="http://schemas.openxmlformats.org/presentationml/2006/main">
+  <p:cSld>
+    <p:spTree>
+      <p:nvGrpSpPr>
+        <p:cNvPr id="1" name=""/>
+        <p:cNvGrpSpPr/>
+        <p:nvPr/>
+      </p:nvGrpSpPr>
+      <p:grpSpPr>
+        <a:xfrm>
+          <a:off x="0" y="0"/>
+          <a:ext cx="0" cy="0"/>
+          <a:chOff x="0" y="0"/>
+          <a:chExt cx="0" cy="0"/>
+        </a:xfrm>
+      </p:grpSpPr>
+      <p:sp>
+        <p:nvSpPr>
+          <p:cNvPr id="2" name="Заголовок 1"/>
+          <p:cNvSpPr>
+            <a:spLocks noGrp="1"/>
+          </p:cNvSpPr>
+          <p:nvPr>
+            <p:ph type="title"/>
+          </p:nvPr>
+        </p:nvSpPr>
+        <p:spPr>
+          <a:xfrm>
+            <a:off x="609600" y="359985"/>
+            <a:ext cx="10972800" cy="1066800"/>
+          </a:xfrm>
+        </p:spPr>
+        <p:txBody>
+          <a:bodyPr vert="horz" lIns="91440" tIns="45720" rIns="91440" bIns="45720" anchor="ctr">
+            <a:normAutofit/>
+          </a:bodyPr>
+          <a:lstStyle/>
+          <a:p>
+            <a:pPr algn="ctr"/>
+            <a:r>
+              <a:rPr lang="ru-RU" dirty="0">
+                <a:ea typeface="+mj-lt"/>
+                <a:cs typeface="+mj-lt"/>
+              </a:rPr>
+              <a:t>Страница с информацией о сайте</a:t>
+            </a:r>
+          </a:p>
+        </p:txBody>
+      </p:sp>
+      <p:sp>
+        <p:nvSpPr>
+          <p:cNvPr id="3" name="Номер слайда 2">
+            <a:extLst>
+              <a:ext uri="{FF2B5EF4-FFF2-40B4-BE49-F238E27FC236}">
+                <a16:creationId xmlns:a16="http://schemas.microsoft.com/office/drawing/2014/main" id="{7873B73C-21E0-AFF6-BB4E-AC2BB4866448}"/>
+              </a:ext>
+            </a:extLst>
+          </p:cNvPr>
+          <p:cNvSpPr>
+            <a:spLocks noGrp="1"/>
+          </p:cNvSpPr>
+          <p:nvPr>
+            <p:ph type="sldNum" sz="quarter" idx="12"/>
+          </p:nvPr>
+        </p:nvSpPr>
+        <p:spPr/>
+        <p:txBody>
+          <a:bodyPr/>
+          <a:lstStyle/>
+          <a:p>
+            <a:fld id="{CAAC2966-0B80-4097-9F79-F8DF80041286}" type="slidenum">
+              <a:rPr lang="ru-RU" smtClean="0"/>
+              <a:t>16</a:t>
+            </a:fld>
+            <a:endParaRPr lang="ru-RU"/>
+          </a:p>
+        </p:txBody>
+      </p:sp>
+      <p:pic>
+        <p:nvPicPr>
+          <p:cNvPr id="4" name="Рисунок 3">
+            <a:extLst>
+              <a:ext uri="{FF2B5EF4-FFF2-40B4-BE49-F238E27FC236}">
+                <a16:creationId xmlns:a16="http://schemas.microsoft.com/office/drawing/2014/main" id="{20E9189B-087D-448A-A63A-A4C617B8FD2D}"/>
+              </a:ext>
+            </a:extLst>
+          </p:cNvPr>
+          <p:cNvPicPr>
+            <a:picLocks noChangeAspect="1"/>
+          </p:cNvPicPr>
+          <p:nvPr/>
+        </p:nvPicPr>
+        <p:blipFill>
+          <a:blip r:embed="rId2"/>
+          <a:stretch>
+            <a:fillRect/>
+          </a:stretch>
+        </p:blipFill>
+        <p:spPr>
+          <a:xfrm>
+            <a:off x="2080059" y="1426785"/>
+            <a:ext cx="8031882" cy="4916022"/>
+          </a:xfrm>
+          <a:prstGeom prst="rect">
+            <a:avLst/>
+          </a:prstGeom>
+        </p:spPr>
+      </p:pic>
+    </p:spTree>
+    <p:extLst>
+      <p:ext uri="{BB962C8B-B14F-4D97-AF65-F5344CB8AC3E}">
+        <p14:creationId xmlns:p14="http://schemas.microsoft.com/office/powerpoint/2010/main" val="3839676515"/>
+      </p:ext>
+    </p:extLst>
+  </p:cSld>
+  <p:clrMapOvr>
+    <a:masterClrMapping/>
+  </p:clrMapOvr>
+</p:sld>
+</file>
+
+<file path=ppt/slides/slide17.xml><?xml version="1.0" encoding="utf-8"?>
+<p:sld xmlns:a="http://schemas.openxmlformats.org/drawingml/2006/main" xmlns:r="http://schemas.openxmlformats.org/officeDocument/2006/relationships" xmlns:p="http://schemas.openxmlformats.org/presentationml/2006/main">
+  <p:cSld>
+    <p:spTree>
+      <p:nvGrpSpPr>
+        <p:cNvPr id="1" name=""/>
+        <p:cNvGrpSpPr/>
+        <p:nvPr/>
+      </p:nvGrpSpPr>
+      <p:grpSpPr>
+        <a:xfrm>
+          <a:off x="0" y="0"/>
+          <a:ext cx="0" cy="0"/>
+          <a:chOff x="0" y="0"/>
+          <a:chExt cx="0" cy="0"/>
+        </a:xfrm>
+      </p:grpSpPr>
+      <p:sp>
+        <p:nvSpPr>
+          <p:cNvPr id="2" name="Заголовок 1"/>
+          <p:cNvSpPr>
+            <a:spLocks noGrp="1"/>
+          </p:cNvSpPr>
+          <p:nvPr>
+            <p:ph type="title"/>
+          </p:nvPr>
+        </p:nvSpPr>
+        <p:spPr>
+          <a:xfrm>
+            <a:off x="609599" y="670705"/>
+            <a:ext cx="10972800" cy="1066800"/>
+          </a:xfrm>
+        </p:spPr>
+        <p:txBody>
+          <a:bodyPr vert="horz" lIns="91440" tIns="45720" rIns="91440" bIns="45720" anchor="ctr">
+            <a:normAutofit/>
+          </a:bodyPr>
+          <a:lstStyle/>
+          <a:p>
+            <a:pPr algn="ctr"/>
+            <a:r>
+              <a:rPr lang="ru-RU" dirty="0">
+                <a:ea typeface="+mj-lt"/>
+                <a:cs typeface="+mj-lt"/>
+              </a:rPr>
+              <a:t>Страница с историей</a:t>
+            </a:r>
+          </a:p>
+        </p:txBody>
+      </p:sp>
+      <p:sp>
+        <p:nvSpPr>
+          <p:cNvPr id="3" name="Номер слайда 2">
+            <a:extLst>
+              <a:ext uri="{FF2B5EF4-FFF2-40B4-BE49-F238E27FC236}">
+                <a16:creationId xmlns:a16="http://schemas.microsoft.com/office/drawing/2014/main" id="{7873B73C-21E0-AFF6-BB4E-AC2BB4866448}"/>
+              </a:ext>
+            </a:extLst>
+          </p:cNvPr>
+          <p:cNvSpPr>
+            <a:spLocks noGrp="1"/>
+          </p:cNvSpPr>
+          <p:nvPr>
+            <p:ph type="sldNum" sz="quarter" idx="12"/>
+          </p:nvPr>
+        </p:nvSpPr>
+        <p:spPr/>
+        <p:txBody>
+          <a:bodyPr/>
+          <a:lstStyle/>
+          <a:p>
+            <a:fld id="{CAAC2966-0B80-4097-9F79-F8DF80041286}" type="slidenum">
+              <a:rPr lang="ru-RU" smtClean="0"/>
+              <a:t>17</a:t>
             </a:fld>
             <a:endParaRPr lang="ru-RU"/>
           </a:p>
@@ -6887,7 +6023,7 @@
 </p:sld>
 </file>
 
-<file path=ppt/slides/slide16.xml><?xml version="1.0" encoding="utf-8"?>
+<file path=ppt/slides/slide18.xml><?xml version="1.0" encoding="utf-8"?>
 <p:sld xmlns:a="http://schemas.openxmlformats.org/drawingml/2006/main" xmlns:r="http://schemas.openxmlformats.org/officeDocument/2006/relationships" xmlns:p="http://schemas.openxmlformats.org/presentationml/2006/main">
   <p:cSld>
     <p:spTree>
@@ -6996,7 +6132,7 @@
           <a:p>
             <a:fld id="{CAAC2966-0B80-4097-9F79-F8DF80041286}" type="slidenum">
               <a:rPr lang="ru-RU" smtClean="0"/>
-              <a:t>16</a:t>
+              <a:t>18</a:t>
             </a:fld>
             <a:endParaRPr lang="ru-RU"/>
           </a:p>
@@ -7015,7 +6151,7 @@
 </p:sld>
 </file>
 
-<file path=ppt/slides/slide17.xml><?xml version="1.0" encoding="utf-8"?>
+<file path=ppt/slides/slide19.xml><?xml version="1.0" encoding="utf-8"?>
 <p:sld xmlns:a="http://schemas.openxmlformats.org/drawingml/2006/main" xmlns:r="http://schemas.openxmlformats.org/officeDocument/2006/relationships" xmlns:p="http://schemas.openxmlformats.org/presentationml/2006/main">
   <p:cSld>
     <p:spTree>
@@ -7520,14 +6656,6 @@
               </a:rPr>
               <a:t>Исполнители:</a:t>
             </a:r>
-            <a:r>
-              <a:rPr lang="ru-RU" sz="2400" dirty="0">
-                <a:solidFill>
-                  <a:schemeClr val="tx2"/>
-                </a:solidFill>
-              </a:rPr>
-              <a:t> </a:t>
-            </a:r>
             <a:endParaRPr lang="ru-RU" sz="2400" dirty="0">
               <a:solidFill>
                 <a:schemeClr val="tx2"/>
@@ -7542,12 +6670,14 @@
             </a:pPr>
             <a:r>
               <a:rPr lang="ru-RU" sz="2400" dirty="0">
+                <a:solidFill>
+                  <a:schemeClr val="tx2"/>
+                </a:solidFill>
                 <a:ea typeface="+mn-lt"/>
                 <a:cs typeface="+mn-lt"/>
               </a:rPr>
-              <a:t>Группа ТП-3.1: </a:t>
-            </a:r>
-            <a:endParaRPr lang="ru-RU" sz="3600" dirty="0"/>
+              <a:t>Группа ТП-3.1:</a:t>
+            </a:r>
           </a:p>
           <a:p>
             <a:pPr marL="0" indent="0">
@@ -7707,7 +6837,7 @@
           <p:nvPr>
             <p:extLst>
               <p:ext uri="{D42A27DB-BD31-4B8C-83A1-F6EECF244321}">
-                <p14:modId xmlns:p14="http://schemas.microsoft.com/office/powerpoint/2010/main" val="1878197005"/>
+                <p14:modId xmlns:p14="http://schemas.microsoft.com/office/powerpoint/2010/main" val="458149315"/>
               </p:ext>
             </p:extLst>
           </p:nvPr>
@@ -7806,7 +6936,7 @@
                     <a:p>
                       <a:r>
                         <a:rPr lang="ru-RU" sz="2400" dirty="0"/>
-                        <a:t>Развертка</a:t>
+                        <a:t>Развёртывание</a:t>
                       </a:r>
                       <a:r>
                         <a:rPr lang="en-US" sz="2400" dirty="0"/>
@@ -7833,7 +6963,16 @@
                       </a:pPr>
                       <a:r>
                         <a:rPr lang="en-US" sz="2400" dirty="0"/>
-                        <a:t>Backend developer</a:t>
+                        <a:t>Backend-</a:t>
+                      </a:r>
+                      <a:r>
+                        <a:rPr lang="ru-RU" sz="2400" b="0" i="0" u="none" strike="noStrike" noProof="0" dirty="0">
+                          <a:solidFill>
+                            <a:srgbClr val="000000"/>
+                          </a:solidFill>
+                          <a:latin typeface="Georgia"/>
+                        </a:rPr>
+                        <a:t>разработка</a:t>
                       </a:r>
                       <a:endParaRPr lang="ru-RU" sz="2400" dirty="0"/>
                     </a:p>
@@ -7911,7 +7050,16 @@
                       </a:pPr>
                       <a:r>
                         <a:rPr lang="en-US" sz="2400" dirty="0"/>
-                        <a:t>Backend developer</a:t>
+                        <a:t>Backend-</a:t>
+                      </a:r>
+                      <a:r>
+                        <a:rPr lang="ru-RU" sz="2400" b="0" i="0" u="none" strike="noStrike" noProof="0" dirty="0">
+                          <a:solidFill>
+                            <a:srgbClr val="000000"/>
+                          </a:solidFill>
+                          <a:latin typeface="Georgia"/>
+                        </a:rPr>
+                        <a:t>разработка</a:t>
                       </a:r>
                       <a:endParaRPr lang="ru-RU" sz="2400" dirty="0"/>
                     </a:p>
@@ -8046,7 +7194,7 @@
                     <a:p>
                       <a:r>
                         <a:rPr lang="ru-RU" sz="2400" dirty="0"/>
-                        <a:t>Разработка тестов</a:t>
+                        <a:t>Проведение тестирования</a:t>
                       </a:r>
                     </a:p>
                   </a:txBody>
@@ -8104,7 +7252,7 @@
         </p:nvSpPr>
         <p:spPr>
           <a:xfrm>
-            <a:off x="609600" y="795759"/>
+            <a:off x="609600" y="647318"/>
             <a:ext cx="10972800" cy="1066800"/>
           </a:xfrm>
         </p:spPr>
@@ -8117,39 +7265,8 @@
             <a:pPr algn="ctr"/>
             <a:r>
               <a:rPr lang="ru-RU" dirty="0"/>
-              <a:t>Цель проекта</a:t>
-            </a:r>
-          </a:p>
-        </p:txBody>
-      </p:sp>
-      <p:sp>
-        <p:nvSpPr>
-          <p:cNvPr id="3" name="Объект 2"/>
-          <p:cNvSpPr>
-            <a:spLocks noGrp="1"/>
-          </p:cNvSpPr>
-          <p:nvPr>
-            <p:ph idx="1"/>
-          </p:nvPr>
-        </p:nvSpPr>
-        <p:spPr>
-          <a:xfrm>
-            <a:off x="609600" y="3021781"/>
-            <a:ext cx="10087992" cy="4325112"/>
-          </a:xfrm>
-        </p:spPr>
-        <p:txBody>
-          <a:bodyPr vert="horz" lIns="91440" tIns="45720" rIns="91440" bIns="45720" anchor="t">
-            <a:normAutofit/>
-          </a:bodyPr>
-          <a:lstStyle/>
-          <a:p>
-            <a:pPr lvl="0"/>
-            <a:r>
-              <a:rPr lang="ru-RU" sz="3600" dirty="0"/>
-              <a:t>Возможность использовать модель обнаружения объектов без необходимости развёртывать её вручную.</a:t>
-            </a:r>
-            <a:endParaRPr lang="ru-RU" dirty="0"/>
+              <a:t>Актуальность проекта</a:t>
+            </a:r>
           </a:p>
         </p:txBody>
       </p:sp>
@@ -8179,6 +7296,110 @@
               <a:t>3</a:t>
             </a:fld>
             <a:endParaRPr lang="ru-RU"/>
+          </a:p>
+        </p:txBody>
+      </p:sp>
+      <p:pic>
+        <p:nvPicPr>
+          <p:cNvPr id="9" name="Рисунок 8" descr="Изображение выглядит как текст, транспортное средство, Наземный транспорт, на открытом воздухе&#10;&#10;Автоматически созданное описание">
+            <a:extLst>
+              <a:ext uri="{FF2B5EF4-FFF2-40B4-BE49-F238E27FC236}">
+                <a16:creationId xmlns:a16="http://schemas.microsoft.com/office/drawing/2014/main" id="{4C4FAF82-7290-3271-9520-21B16CEF153A}"/>
+              </a:ext>
+            </a:extLst>
+          </p:cNvPr>
+          <p:cNvPicPr>
+            <a:picLocks noChangeAspect="1"/>
+          </p:cNvPicPr>
+          <p:nvPr/>
+        </p:nvPicPr>
+        <p:blipFill>
+          <a:blip r:embed="rId2"/>
+          <a:stretch>
+            <a:fillRect/>
+          </a:stretch>
+        </p:blipFill>
+        <p:spPr>
+          <a:xfrm>
+            <a:off x="5308271" y="1960927"/>
+            <a:ext cx="6681848" cy="3816896"/>
+          </a:xfrm>
+          <a:prstGeom prst="rect">
+            <a:avLst/>
+          </a:prstGeom>
+        </p:spPr>
+      </p:pic>
+      <p:sp>
+        <p:nvSpPr>
+          <p:cNvPr id="14" name="Объект 2">
+            <a:extLst>
+              <a:ext uri="{FF2B5EF4-FFF2-40B4-BE49-F238E27FC236}">
+                <a16:creationId xmlns:a16="http://schemas.microsoft.com/office/drawing/2014/main" id="{6470CAC5-0E9E-E9B7-88EB-2E0DCE41EB86}"/>
+              </a:ext>
+            </a:extLst>
+          </p:cNvPr>
+          <p:cNvSpPr>
+            <a:spLocks noGrp="1"/>
+          </p:cNvSpPr>
+          <p:nvPr>
+            <p:ph idx="1"/>
+          </p:nvPr>
+        </p:nvSpPr>
+        <p:spPr>
+          <a:xfrm>
+            <a:off x="263236" y="1784768"/>
+            <a:ext cx="5090460" cy="4325112"/>
+          </a:xfrm>
+        </p:spPr>
+        <p:txBody>
+          <a:bodyPr vert="horz" lIns="91440" tIns="45720" rIns="91440" bIns="45720" anchor="t">
+            <a:normAutofit/>
+          </a:bodyPr>
+          <a:lstStyle/>
+          <a:p>
+            <a:pPr marL="109855" indent="0">
+              <a:buNone/>
+            </a:pPr>
+            <a:r>
+              <a:rPr lang="ru-RU" sz="3600" dirty="0"/>
+              <a:t>Сферы применения:</a:t>
+            </a:r>
+            <a:endParaRPr lang="ru-RU" dirty="0"/>
+          </a:p>
+          <a:p>
+            <a:pPr indent="-255905"/>
+            <a:r>
+              <a:rPr lang="ru-RU" sz="3600" dirty="0"/>
+              <a:t>Медицина</a:t>
+            </a:r>
+          </a:p>
+          <a:p>
+            <a:pPr indent="-255905"/>
+            <a:r>
+              <a:rPr lang="ru-RU" sz="3600" dirty="0"/>
+              <a:t>Транспорт</a:t>
+            </a:r>
+          </a:p>
+          <a:p>
+            <a:pPr indent="-255905"/>
+            <a:r>
+              <a:rPr lang="ru-RU" sz="3600" dirty="0"/>
+              <a:t>Промышленность</a:t>
+            </a:r>
+          </a:p>
+          <a:p>
+            <a:pPr indent="-255905"/>
+            <a:r>
+              <a:rPr lang="ru-RU" sz="3600" dirty="0"/>
+              <a:t>Образование</a:t>
+            </a:r>
+          </a:p>
+          <a:p>
+            <a:pPr indent="-255905"/>
+            <a:r>
+              <a:rPr lang="ru-RU" sz="3600" dirty="0"/>
+              <a:t>И др.</a:t>
+            </a:r>
           </a:p>
         </p:txBody>
       </p:sp>
@@ -8224,6 +7445,126 @@
         </p:nvSpPr>
         <p:spPr>
           <a:xfrm>
+            <a:off x="609600" y="795759"/>
+            <a:ext cx="10972800" cy="1066800"/>
+          </a:xfrm>
+        </p:spPr>
+        <p:txBody>
+          <a:bodyPr vert="horz" lIns="91440" tIns="45720" rIns="91440" bIns="45720" anchor="ctr">
+            <a:normAutofit/>
+          </a:bodyPr>
+          <a:lstStyle/>
+          <a:p>
+            <a:pPr algn="ctr"/>
+            <a:r>
+              <a:rPr lang="ru-RU" dirty="0"/>
+              <a:t>Цель проекта</a:t>
+            </a:r>
+          </a:p>
+        </p:txBody>
+      </p:sp>
+      <p:sp>
+        <p:nvSpPr>
+          <p:cNvPr id="3" name="Объект 2"/>
+          <p:cNvSpPr>
+            <a:spLocks noGrp="1"/>
+          </p:cNvSpPr>
+          <p:nvPr>
+            <p:ph idx="1"/>
+          </p:nvPr>
+        </p:nvSpPr>
+        <p:spPr>
+          <a:xfrm>
+            <a:off x="609600" y="3021781"/>
+            <a:ext cx="10087992" cy="4325112"/>
+          </a:xfrm>
+        </p:spPr>
+        <p:txBody>
+          <a:bodyPr vert="horz" lIns="91440" tIns="45720" rIns="91440" bIns="45720" anchor="t">
+            <a:normAutofit/>
+          </a:bodyPr>
+          <a:lstStyle/>
+          <a:p>
+            <a:pPr lvl="0"/>
+            <a:r>
+              <a:rPr lang="ru-RU" sz="3600" dirty="0"/>
+              <a:t>Возможность использовать модель обнаружения объектов без необходимости развёртывать её вручную.</a:t>
+            </a:r>
+            <a:endParaRPr lang="ru-RU" dirty="0"/>
+          </a:p>
+        </p:txBody>
+      </p:sp>
+      <p:sp>
+        <p:nvSpPr>
+          <p:cNvPr id="8" name="Номер слайда 7">
+            <a:extLst>
+              <a:ext uri="{FF2B5EF4-FFF2-40B4-BE49-F238E27FC236}">
+                <a16:creationId xmlns:a16="http://schemas.microsoft.com/office/drawing/2014/main" id="{1A207604-E24A-66FF-BBA3-A1B0F92853EB}"/>
+              </a:ext>
+            </a:extLst>
+          </p:cNvPr>
+          <p:cNvSpPr>
+            <a:spLocks noGrp="1"/>
+          </p:cNvSpPr>
+          <p:nvPr>
+            <p:ph type="sldNum" sz="quarter" idx="12"/>
+          </p:nvPr>
+        </p:nvSpPr>
+        <p:spPr/>
+        <p:txBody>
+          <a:bodyPr/>
+          <a:lstStyle/>
+          <a:p>
+            <a:fld id="{CAAC2966-0B80-4097-9F79-F8DF80041286}" type="slidenum">
+              <a:rPr lang="ru-RU" smtClean="0"/>
+              <a:t>4</a:t>
+            </a:fld>
+            <a:endParaRPr lang="ru-RU"/>
+          </a:p>
+        </p:txBody>
+      </p:sp>
+    </p:spTree>
+    <p:extLst>
+      <p:ext uri="{BB962C8B-B14F-4D97-AF65-F5344CB8AC3E}">
+        <p14:creationId xmlns:p14="http://schemas.microsoft.com/office/powerpoint/2010/main" val="412518449"/>
+      </p:ext>
+    </p:extLst>
+  </p:cSld>
+  <p:clrMapOvr>
+    <a:masterClrMapping/>
+  </p:clrMapOvr>
+</p:sld>
+</file>
+
+<file path=ppt/slides/slide5.xml><?xml version="1.0" encoding="utf-8"?>
+<p:sld xmlns:a="http://schemas.openxmlformats.org/drawingml/2006/main" xmlns:r="http://schemas.openxmlformats.org/officeDocument/2006/relationships" xmlns:p="http://schemas.openxmlformats.org/presentationml/2006/main">
+  <p:cSld>
+    <p:spTree>
+      <p:nvGrpSpPr>
+        <p:cNvPr id="1" name=""/>
+        <p:cNvGrpSpPr/>
+        <p:nvPr/>
+      </p:nvGrpSpPr>
+      <p:grpSpPr>
+        <a:xfrm>
+          <a:off x="0" y="0"/>
+          <a:ext cx="0" cy="0"/>
+          <a:chOff x="0" y="0"/>
+          <a:chExt cx="0" cy="0"/>
+        </a:xfrm>
+      </p:grpSpPr>
+      <p:sp>
+        <p:nvSpPr>
+          <p:cNvPr id="2" name="Заголовок 1"/>
+          <p:cNvSpPr>
+            <a:spLocks noGrp="1"/>
+          </p:cNvSpPr>
+          <p:nvPr>
+            <p:ph type="title"/>
+          </p:nvPr>
+        </p:nvSpPr>
+        <p:spPr>
+          <a:xfrm>
             <a:off x="609600" y="805405"/>
             <a:ext cx="10972800" cy="1066800"/>
           </a:xfrm>
@@ -8301,7 +7642,7 @@
           <a:p>
             <a:fld id="{CAAC2966-0B80-4097-9F79-F8DF80041286}" type="slidenum">
               <a:rPr lang="ru-RU" smtClean="0"/>
-              <a:t>4</a:t>
+              <a:t>5</a:t>
             </a:fld>
             <a:endParaRPr lang="ru-RU"/>
           </a:p>
@@ -8320,7 +7661,7 @@
 </p:sld>
 </file>
 
-<file path=ppt/slides/slide5.xml><?xml version="1.0" encoding="utf-8"?>
+<file path=ppt/slides/slide6.xml><?xml version="1.0" encoding="utf-8"?>
 <p:sld xmlns:a="http://schemas.openxmlformats.org/drawingml/2006/main" xmlns:r="http://schemas.openxmlformats.org/officeDocument/2006/relationships" xmlns:p="http://schemas.openxmlformats.org/presentationml/2006/main">
   <p:cSld>
     <p:spTree>
@@ -8395,7 +7736,7 @@
             <a:fld id="{CAAC2966-0B80-4097-9F79-F8DF80041286}" type="slidenum">
               <a:rPr lang="ru-RU" smtClean="0"/>
               <a:pPr/>
-              <a:t>5</a:t>
+              <a:t>6</a:t>
             </a:fld>
             <a:endParaRPr lang="ru-RU" dirty="0"/>
           </a:p>
@@ -8414,7 +7755,7 @@
 </p:sld>
 </file>
 
-<file path=ppt/slides/slide6.xml><?xml version="1.0" encoding="utf-8"?>
+<file path=ppt/slides/slide7.xml><?xml version="1.0" encoding="utf-8"?>
 <p:sld xmlns:a="http://schemas.openxmlformats.org/drawingml/2006/main" xmlns:r="http://schemas.openxmlformats.org/officeDocument/2006/relationships" xmlns:p="http://schemas.openxmlformats.org/presentationml/2006/main">
   <p:cSld>
     <p:spTree>
@@ -8493,7 +7834,7 @@
             <a:fld id="{CAAC2966-0B80-4097-9F79-F8DF80041286}" type="slidenum">
               <a:rPr lang="ru-RU" smtClean="0"/>
               <a:pPr/>
-              <a:t>6</a:t>
+              <a:t>7</a:t>
             </a:fld>
             <a:endParaRPr lang="ru-RU" dirty="0"/>
           </a:p>
@@ -8512,7 +7853,7 @@
 </p:sld>
 </file>
 
-<file path=ppt/slides/slide7.xml><?xml version="1.0" encoding="utf-8"?>
+<file path=ppt/slides/slide8.xml><?xml version="1.0" encoding="utf-8"?>
 <p:sld xmlns:a="http://schemas.openxmlformats.org/drawingml/2006/main" xmlns:r="http://schemas.openxmlformats.org/officeDocument/2006/relationships" xmlns:p="http://schemas.openxmlformats.org/presentationml/2006/main">
   <p:cSld>
     <p:spTree>
@@ -8587,7 +7928,7 @@
             <a:fld id="{CAAC2966-0B80-4097-9F79-F8DF80041286}" type="slidenum">
               <a:rPr lang="ru-RU" smtClean="0"/>
               <a:pPr/>
-              <a:t>7</a:t>
+              <a:t>8</a:t>
             </a:fld>
             <a:endParaRPr lang="ru-RU" dirty="0"/>
           </a:p>
@@ -8606,7 +7947,7 @@
 </p:sld>
 </file>
 
-<file path=ppt/slides/slide8.xml><?xml version="1.0" encoding="utf-8"?>
+<file path=ppt/slides/slide9.xml><?xml version="1.0" encoding="utf-8"?>
 <p:sld xmlns:a="http://schemas.openxmlformats.org/drawingml/2006/main" xmlns:r="http://schemas.openxmlformats.org/officeDocument/2006/relationships" xmlns:p="http://schemas.openxmlformats.org/presentationml/2006/main">
   <p:cSld>
     <p:spTree>
@@ -8676,7 +8017,7 @@
           <a:p>
             <a:fld id="{CAAC2966-0B80-4097-9F79-F8DF80041286}" type="slidenum">
               <a:rPr lang="ru-RU" smtClean="0"/>
-              <a:t>8</a:t>
+              <a:t>9</a:t>
             </a:fld>
             <a:endParaRPr lang="ru-RU"/>
           </a:p>
@@ -9314,238 +8655,6 @@
 </p:sld>
 </file>
 
-<file path=ppt/slides/slide9.xml><?xml version="1.0" encoding="utf-8"?>
-<p:sld xmlns:a="http://schemas.openxmlformats.org/drawingml/2006/main" xmlns:r="http://schemas.openxmlformats.org/officeDocument/2006/relationships" xmlns:p="http://schemas.openxmlformats.org/presentationml/2006/main">
-  <p:cSld>
-    <p:spTree>
-      <p:nvGrpSpPr>
-        <p:cNvPr id="1" name=""/>
-        <p:cNvGrpSpPr/>
-        <p:nvPr/>
-      </p:nvGrpSpPr>
-      <p:grpSpPr>
-        <a:xfrm>
-          <a:off x="0" y="0"/>
-          <a:ext cx="0" cy="0"/>
-          <a:chOff x="0" y="0"/>
-          <a:chExt cx="0" cy="0"/>
-        </a:xfrm>
-      </p:grpSpPr>
-      <p:sp>
-        <p:nvSpPr>
-          <p:cNvPr id="2" name="Заголовок 1"/>
-          <p:cNvSpPr>
-            <a:spLocks noGrp="1"/>
-          </p:cNvSpPr>
-          <p:nvPr>
-            <p:ph type="title"/>
-          </p:nvPr>
-        </p:nvSpPr>
-        <p:spPr>
-          <a:xfrm>
-            <a:off x="1991544" y="620688"/>
-            <a:ext cx="8229600" cy="1143000"/>
-          </a:xfrm>
-        </p:spPr>
-        <p:txBody>
-          <a:bodyPr>
-            <a:normAutofit/>
-          </a:bodyPr>
-          <a:lstStyle/>
-          <a:p>
-            <a:pPr algn="ctr"/>
-            <a:r>
-              <a:rPr lang="ru-RU" dirty="0"/>
-              <a:t>Серверная часть</a:t>
-            </a:r>
-          </a:p>
-        </p:txBody>
-      </p:sp>
-      <p:sp>
-        <p:nvSpPr>
-          <p:cNvPr id="3" name="Номер слайда 2">
-            <a:extLst>
-              <a:ext uri="{FF2B5EF4-FFF2-40B4-BE49-F238E27FC236}">
-                <a16:creationId xmlns:a16="http://schemas.microsoft.com/office/drawing/2014/main" id="{95DB3792-F159-B601-0864-D6372E9125D1}"/>
-              </a:ext>
-            </a:extLst>
-          </p:cNvPr>
-          <p:cNvSpPr>
-            <a:spLocks noGrp="1"/>
-          </p:cNvSpPr>
-          <p:nvPr>
-            <p:ph type="sldNum" sz="quarter" idx="12"/>
-          </p:nvPr>
-        </p:nvSpPr>
-        <p:spPr/>
-        <p:txBody>
-          <a:bodyPr/>
-          <a:lstStyle/>
-          <a:p>
-            <a:fld id="{CAAC2966-0B80-4097-9F79-F8DF80041286}" type="slidenum">
-              <a:rPr lang="ru-RU" smtClean="0"/>
-              <a:t>9</a:t>
-            </a:fld>
-            <a:endParaRPr lang="ru-RU"/>
-          </a:p>
-        </p:txBody>
-      </p:sp>
-      <p:pic>
-        <p:nvPicPr>
-          <p:cNvPr id="1026" name="Picture 2" descr="https://pluspng.com/img-png/python-logo-png-python-logo-png-and-vector-logo-img-4096x4553.png">
-            <a:extLst>
-              <a:ext uri="{FF2B5EF4-FFF2-40B4-BE49-F238E27FC236}">
-                <a16:creationId xmlns:a16="http://schemas.microsoft.com/office/drawing/2014/main" id="{5DA94C08-8D5F-40C3-9F78-7EDCB46163D8}"/>
-              </a:ext>
-            </a:extLst>
-          </p:cNvPr>
-          <p:cNvPicPr>
-            <a:picLocks noChangeAspect="1" noChangeArrowheads="1"/>
-          </p:cNvPicPr>
-          <p:nvPr/>
-        </p:nvPicPr>
-        <p:blipFill>
-          <a:blip r:embed="rId2" cstate="print">
-            <a:extLst>
-              <a:ext uri="{28A0092B-C50C-407E-A947-70E740481C1C}">
-                <a14:useLocalDpi xmlns:a14="http://schemas.microsoft.com/office/drawing/2010/main" val="0"/>
-              </a:ext>
-            </a:extLst>
-          </a:blip>
-          <a:srcRect/>
-          <a:stretch>
-            <a:fillRect/>
-          </a:stretch>
-        </p:blipFill>
-        <p:spPr bwMode="auto">
-          <a:xfrm>
-            <a:off x="859642" y="2653333"/>
-            <a:ext cx="2361108" cy="2624803"/>
-          </a:xfrm>
-          <a:prstGeom prst="rect">
-            <a:avLst/>
-          </a:prstGeom>
-          <a:noFill/>
-          <a:extLst>
-            <a:ext uri="{909E8E84-426E-40DD-AFC4-6F175D3DCCD1}">
-              <a14:hiddenFill xmlns:a14="http://schemas.microsoft.com/office/drawing/2010/main">
-                <a:solidFill>
-                  <a:srgbClr val="FFFFFF"/>
-                </a:solidFill>
-              </a14:hiddenFill>
-            </a:ext>
-          </a:extLst>
-        </p:spPr>
-      </p:pic>
-      <p:pic>
-        <p:nvPicPr>
-          <p:cNvPr id="1028" name="Picture 4" descr="https://office-guru.ru/wp-content/uploads/2021/11/python_django.png">
-            <a:extLst>
-              <a:ext uri="{FF2B5EF4-FFF2-40B4-BE49-F238E27FC236}">
-                <a16:creationId xmlns:a16="http://schemas.microsoft.com/office/drawing/2014/main" id="{9D59C7CF-4DA5-4AB3-854D-C66385AE9846}"/>
-              </a:ext>
-            </a:extLst>
-          </p:cNvPr>
-          <p:cNvPicPr>
-            <a:picLocks noGrp="1" noChangeAspect="1" noChangeArrowheads="1"/>
-          </p:cNvPicPr>
-          <p:nvPr>
-            <p:ph idx="1"/>
-          </p:nvPr>
-        </p:nvPicPr>
-        <p:blipFill>
-          <a:blip r:embed="rId3" cstate="print">
-            <a:extLst>
-              <a:ext uri="{28A0092B-C50C-407E-A947-70E740481C1C}">
-                <a14:useLocalDpi xmlns:a14="http://schemas.microsoft.com/office/drawing/2010/main" val="0"/>
-              </a:ext>
-            </a:extLst>
-          </a:blip>
-          <a:srcRect/>
-          <a:stretch>
-            <a:fillRect/>
-          </a:stretch>
-        </p:blipFill>
-        <p:spPr bwMode="auto">
-          <a:xfrm>
-            <a:off x="3819240" y="2576380"/>
-            <a:ext cx="2695098" cy="2695098"/>
-          </a:xfrm>
-          <a:prstGeom prst="rect">
-            <a:avLst/>
-          </a:prstGeom>
-          <a:noFill/>
-          <a:extLst>
-            <a:ext uri="{909E8E84-426E-40DD-AFC4-6F175D3DCCD1}">
-              <a14:hiddenFill xmlns:a14="http://schemas.microsoft.com/office/drawing/2010/main">
-                <a:solidFill>
-                  <a:srgbClr val="FFFFFF"/>
-                </a:solidFill>
-              </a14:hiddenFill>
-            </a:ext>
-          </a:extLst>
-        </p:spPr>
-      </p:pic>
-      <p:pic>
-        <p:nvPicPr>
-          <p:cNvPr id="1030" name="Picture 6" descr="https://upload.wikimedia.org/wikipedia/commons/thumb/3/38/SQLite370.svg/1920px-SQLite370.svg.png">
-            <a:extLst>
-              <a:ext uri="{FF2B5EF4-FFF2-40B4-BE49-F238E27FC236}">
-                <a16:creationId xmlns:a16="http://schemas.microsoft.com/office/drawing/2014/main" id="{4F5F4F37-FA2E-4FCA-A0FE-02220B134357}"/>
-              </a:ext>
-            </a:extLst>
-          </p:cNvPr>
-          <p:cNvPicPr>
-            <a:picLocks noChangeAspect="1" noChangeArrowheads="1"/>
-          </p:cNvPicPr>
-          <p:nvPr/>
-        </p:nvPicPr>
-        <p:blipFill>
-          <a:blip r:embed="rId4" cstate="print">
-            <a:extLst>
-              <a:ext uri="{28A0092B-C50C-407E-A947-70E740481C1C}">
-                <a14:useLocalDpi xmlns:a14="http://schemas.microsoft.com/office/drawing/2010/main" val="0"/>
-              </a:ext>
-            </a:extLst>
-          </a:blip>
-          <a:srcRect/>
-          <a:stretch>
-            <a:fillRect/>
-          </a:stretch>
-        </p:blipFill>
-        <p:spPr bwMode="auto">
-          <a:xfrm>
-            <a:off x="6994460" y="2908840"/>
-            <a:ext cx="4814656" cy="2281946"/>
-          </a:xfrm>
-          <a:prstGeom prst="rect">
-            <a:avLst/>
-          </a:prstGeom>
-          <a:noFill/>
-          <a:extLst>
-            <a:ext uri="{909E8E84-426E-40DD-AFC4-6F175D3DCCD1}">
-              <a14:hiddenFill xmlns:a14="http://schemas.microsoft.com/office/drawing/2010/main">
-                <a:solidFill>
-                  <a:srgbClr val="FFFFFF"/>
-                </a:solidFill>
-              </a14:hiddenFill>
-            </a:ext>
-          </a:extLst>
-        </p:spPr>
-      </p:pic>
-    </p:spTree>
-    <p:extLst>
-      <p:ext uri="{BB962C8B-B14F-4D97-AF65-F5344CB8AC3E}">
-        <p14:creationId xmlns:p14="http://schemas.microsoft.com/office/powerpoint/2010/main" val="195499609"/>
-      </p:ext>
-    </p:extLst>
-  </p:cSld>
-  <p:clrMapOvr>
-    <a:masterClrMapping/>
-  </p:clrMapOvr>
-</p:sld>
-</file>
-
 <file path=ppt/theme/theme1.xml><?xml version="1.0" encoding="utf-8"?>
 <a:theme xmlns:a="http://schemas.openxmlformats.org/drawingml/2006/main" name="Городская">
   <a:themeElements>
